--- a/WebSocket_review.pptx
+++ b/WebSocket_review.pptx
@@ -4,6 +4,18 @@
   <p:sldMasterIdLst>
     <p:sldMasterId id="2147483648" r:id="rId1"/>
   </p:sldMasterIdLst>
+  <p:sldIdLst>
+    <p:sldId id="256" r:id="rId2"/>
+    <p:sldId id="257" r:id="rId3"/>
+    <p:sldId id="258" r:id="rId4"/>
+    <p:sldId id="259" r:id="rId5"/>
+    <p:sldId id="260" r:id="rId6"/>
+    <p:sldId id="261" r:id="rId7"/>
+    <p:sldId id="262" r:id="rId8"/>
+    <p:sldId id="263" r:id="rId9"/>
+    <p:sldId id="264" r:id="rId10"/>
+    <p:sldId id="265" r:id="rId11"/>
+  </p:sldIdLst>
   <p:sldSz cx="9144000" cy="6858000" type="screen4x3"/>
   <p:notesSz cx="6858000" cy="9144000"/>
   <p:defaultTextStyle>
@@ -101,6 +113,22 @@
       </a:defRPr>
     </a:lvl9pPr>
   </p:defaultTextStyle>
+  <p:extLst>
+    <p:ext uri="{EFAFB233-063F-42B5-8137-9DF3F51BA10A}">
+      <p15:sldGuideLst xmlns:p15="http://schemas.microsoft.com/office/powerpoint/2012/main">
+        <p15:guide id="1" orient="horz" pos="2160">
+          <p15:clr>
+            <a:srgbClr val="A4A3A4"/>
+          </p15:clr>
+        </p15:guide>
+        <p15:guide id="2" pos="2880">
+          <p15:clr>
+            <a:srgbClr val="A4A3A4"/>
+          </p15:clr>
+        </p15:guide>
+      </p15:sldGuideLst>
+    </p:ext>
+  </p:extLst>
 </p:presentation>
 </file>
 
@@ -286,7 +314,7 @@
             <a:fld id="{1D8BD707-D9CF-40AE-B4C6-C98DA3205C09}" type="datetimeFigureOut">
               <a:rPr lang="en-US" smtClean="0"/>
               <a:pPr/>
-              <a:t>9/18/2006</a:t>
+              <a:t>3/7/2019</a:t>
             </a:fld>
             <a:endParaRPr lang="en-US"/>
           </a:p>
@@ -453,7 +481,7 @@
             <a:fld id="{1D8BD707-D9CF-40AE-B4C6-C98DA3205C09}" type="datetimeFigureOut">
               <a:rPr lang="en-US" smtClean="0"/>
               <a:pPr/>
-              <a:t>9/18/2006</a:t>
+              <a:t>3/7/2019</a:t>
             </a:fld>
             <a:endParaRPr lang="en-US"/>
           </a:p>
@@ -630,7 +658,7 @@
             <a:fld id="{1D8BD707-D9CF-40AE-B4C6-C98DA3205C09}" type="datetimeFigureOut">
               <a:rPr lang="en-US" smtClean="0"/>
               <a:pPr/>
-              <a:t>9/18/2006</a:t>
+              <a:t>3/7/2019</a:t>
             </a:fld>
             <a:endParaRPr lang="en-US"/>
           </a:p>
@@ -797,7 +825,7 @@
             <a:fld id="{1D8BD707-D9CF-40AE-B4C6-C98DA3205C09}" type="datetimeFigureOut">
               <a:rPr lang="en-US" smtClean="0"/>
               <a:pPr/>
-              <a:t>9/18/2006</a:t>
+              <a:t>3/7/2019</a:t>
             </a:fld>
             <a:endParaRPr lang="en-US"/>
           </a:p>
@@ -1040,7 +1068,7 @@
             <a:fld id="{1D8BD707-D9CF-40AE-B4C6-C98DA3205C09}" type="datetimeFigureOut">
               <a:rPr lang="en-US" smtClean="0"/>
               <a:pPr/>
-              <a:t>9/18/2006</a:t>
+              <a:t>3/7/2019</a:t>
             </a:fld>
             <a:endParaRPr lang="en-US"/>
           </a:p>
@@ -1325,7 +1353,7 @@
             <a:fld id="{1D8BD707-D9CF-40AE-B4C6-C98DA3205C09}" type="datetimeFigureOut">
               <a:rPr lang="en-US" smtClean="0"/>
               <a:pPr/>
-              <a:t>9/18/2006</a:t>
+              <a:t>3/7/2019</a:t>
             </a:fld>
             <a:endParaRPr lang="en-US"/>
           </a:p>
@@ -1744,7 +1772,7 @@
             <a:fld id="{1D8BD707-D9CF-40AE-B4C6-C98DA3205C09}" type="datetimeFigureOut">
               <a:rPr lang="en-US" smtClean="0"/>
               <a:pPr/>
-              <a:t>9/18/2006</a:t>
+              <a:t>3/7/2019</a:t>
             </a:fld>
             <a:endParaRPr lang="en-US"/>
           </a:p>
@@ -1859,7 +1887,7 @@
             <a:fld id="{1D8BD707-D9CF-40AE-B4C6-C98DA3205C09}" type="datetimeFigureOut">
               <a:rPr lang="en-US" smtClean="0"/>
               <a:pPr/>
-              <a:t>9/18/2006</a:t>
+              <a:t>3/7/2019</a:t>
             </a:fld>
             <a:endParaRPr lang="en-US"/>
           </a:p>
@@ -1951,7 +1979,7 @@
             <a:fld id="{1D8BD707-D9CF-40AE-B4C6-C98DA3205C09}" type="datetimeFigureOut">
               <a:rPr lang="en-US" smtClean="0"/>
               <a:pPr/>
-              <a:t>9/18/2006</a:t>
+              <a:t>3/7/2019</a:t>
             </a:fld>
             <a:endParaRPr lang="en-US"/>
           </a:p>
@@ -2225,7 +2253,7 @@
             <a:fld id="{1D8BD707-D9CF-40AE-B4C6-C98DA3205C09}" type="datetimeFigureOut">
               <a:rPr lang="en-US" smtClean="0"/>
               <a:pPr/>
-              <a:t>9/18/2006</a:t>
+              <a:t>3/7/2019</a:t>
             </a:fld>
             <a:endParaRPr lang="en-US"/>
           </a:p>
@@ -2475,7 +2503,7 @@
             <a:fld id="{1D8BD707-D9CF-40AE-B4C6-C98DA3205C09}" type="datetimeFigureOut">
               <a:rPr lang="en-US" smtClean="0"/>
               <a:pPr/>
-              <a:t>9/18/2006</a:t>
+              <a:t>3/7/2019</a:t>
             </a:fld>
             <a:endParaRPr lang="en-US"/>
           </a:p>
@@ -2685,7 +2713,7 @@
             <a:fld id="{1D8BD707-D9CF-40AE-B4C6-C98DA3205C09}" type="datetimeFigureOut">
               <a:rPr lang="en-US" smtClean="0"/>
               <a:pPr/>
-              <a:t>9/18/2006</a:t>
+              <a:t>3/7/2019</a:t>
             </a:fld>
             <a:endParaRPr lang="en-US"/>
           </a:p>
@@ -3037,6 +3065,4315 @@
     </p:otherStyle>
   </p:txStyles>
 </p:sldMaster>
+</file>
+
+<file path=ppt/slides/slide1.xml><?xml version="1.0" encoding="utf-8"?>
+<p:sld xmlns:a="http://schemas.openxmlformats.org/drawingml/2006/main" xmlns:r="http://schemas.openxmlformats.org/officeDocument/2006/relationships" xmlns:p="http://schemas.openxmlformats.org/presentationml/2006/main">
+  <p:cSld>
+    <p:spTree>
+      <p:nvGrpSpPr>
+        <p:cNvPr id="1" name=""/>
+        <p:cNvGrpSpPr/>
+        <p:nvPr/>
+      </p:nvGrpSpPr>
+      <p:grpSpPr>
+        <a:xfrm>
+          <a:off x="0" y="0"/>
+          <a:ext cx="0" cy="0"/>
+          <a:chOff x="0" y="0"/>
+          <a:chExt cx="0" cy="0"/>
+        </a:xfrm>
+      </p:grpSpPr>
+      <p:sp>
+        <p:nvSpPr>
+          <p:cNvPr id="2" name="标题 1"/>
+          <p:cNvSpPr>
+            <a:spLocks noGrp="1"/>
+          </p:cNvSpPr>
+          <p:nvPr>
+            <p:ph type="title"/>
+          </p:nvPr>
+        </p:nvSpPr>
+        <p:spPr>
+          <a:xfrm>
+            <a:off x="304800" y="228600"/>
+            <a:ext cx="8229600" cy="487362"/>
+          </a:xfrm>
+        </p:spPr>
+        <p:txBody>
+          <a:bodyPr>
+            <a:normAutofit/>
+          </a:bodyPr>
+          <a:lstStyle/>
+          <a:p>
+            <a:pPr algn="l"/>
+            <a:r>
+              <a:rPr lang="zh-CN" altLang="en-US" sz="2400" b="1" dirty="0" smtClean="0"/>
+              <a:t>关于</a:t>
+            </a:r>
+            <a:r>
+              <a:rPr lang="en-US" altLang="zh-CN" sz="2400" b="1" dirty="0" smtClean="0"/>
+              <a:t>HTML5 </a:t>
+            </a:r>
+            <a:r>
+              <a:rPr lang="en-US" altLang="zh-CN" sz="2400" b="1" dirty="0" err="1" smtClean="0"/>
+              <a:t>WebSocket</a:t>
+            </a:r>
+            <a:endParaRPr lang="zh-CN" altLang="en-US" sz="2400" b="1" dirty="0"/>
+          </a:p>
+        </p:txBody>
+      </p:sp>
+      <p:sp>
+        <p:nvSpPr>
+          <p:cNvPr id="3" name="内容占位符 2"/>
+          <p:cNvSpPr>
+            <a:spLocks noGrp="1"/>
+          </p:cNvSpPr>
+          <p:nvPr>
+            <p:ph idx="1"/>
+          </p:nvPr>
+        </p:nvSpPr>
+        <p:spPr>
+          <a:xfrm>
+            <a:off x="304800" y="838200"/>
+            <a:ext cx="8382000" cy="5410201"/>
+          </a:xfrm>
+        </p:spPr>
+        <p:txBody>
+          <a:bodyPr>
+            <a:normAutofit/>
+          </a:bodyPr>
+          <a:lstStyle/>
+          <a:p>
+            <a:r>
+              <a:rPr lang="en-US" altLang="zh-CN" sz="2000" dirty="0"/>
+              <a:t>HTML5 </a:t>
+            </a:r>
+            <a:r>
+              <a:rPr lang="en-US" altLang="zh-CN" sz="2000" dirty="0" err="1"/>
+              <a:t>WebSockets</a:t>
+            </a:r>
+            <a:r>
+              <a:rPr lang="zh-CN" altLang="en-US" sz="2000" dirty="0"/>
+              <a:t>规范定义了一个</a:t>
+            </a:r>
+            <a:r>
+              <a:rPr lang="en-US" altLang="zh-CN" sz="2000" dirty="0"/>
+              <a:t>API</a:t>
+            </a:r>
+            <a:r>
+              <a:rPr lang="zh-CN" altLang="en-US" sz="2000" dirty="0"/>
+              <a:t>，使</a:t>
+            </a:r>
+            <a:r>
+              <a:rPr lang="en-US" altLang="zh-CN" sz="2000" dirty="0"/>
+              <a:t>web</a:t>
+            </a:r>
+            <a:r>
+              <a:rPr lang="zh-CN" altLang="en-US" sz="2000" dirty="0"/>
+              <a:t>页面能够使用</a:t>
+            </a:r>
+            <a:r>
+              <a:rPr lang="en-US" altLang="zh-CN" sz="2000" dirty="0" err="1"/>
+              <a:t>WebSockets</a:t>
+            </a:r>
+            <a:r>
+              <a:rPr lang="zh-CN" altLang="en-US" sz="2000" dirty="0"/>
+              <a:t>协议与远程主机进行双向通信</a:t>
+            </a:r>
+            <a:r>
+              <a:rPr lang="zh-CN" altLang="en-US" sz="2000" dirty="0" smtClean="0"/>
+              <a:t>。</a:t>
+            </a:r>
+            <a:endParaRPr lang="en-US" altLang="zh-CN" sz="2000" dirty="0" smtClean="0"/>
+          </a:p>
+          <a:p>
+            <a:r>
+              <a:rPr lang="zh-CN" altLang="en-US" sz="2000" dirty="0"/>
+              <a:t>它引入了</a:t>
+            </a:r>
+            <a:r>
+              <a:rPr lang="en-US" altLang="zh-CN" sz="2000" dirty="0" err="1"/>
+              <a:t>WebSocket</a:t>
+            </a:r>
+            <a:r>
+              <a:rPr lang="zh-CN" altLang="en-US" sz="2000" dirty="0"/>
+              <a:t>接口，并定义了一个全</a:t>
+            </a:r>
+            <a:r>
+              <a:rPr lang="zh-CN" altLang="en-US" sz="2000" dirty="0" smtClean="0"/>
+              <a:t>双工</a:t>
+            </a:r>
+            <a:r>
+              <a:rPr lang="en-US" altLang="zh-CN" sz="2000" dirty="0" smtClean="0"/>
+              <a:t>(full-duplex)</a:t>
+            </a:r>
+            <a:r>
+              <a:rPr lang="zh-CN" altLang="en-US" sz="2000" dirty="0" smtClean="0"/>
+              <a:t>通信</a:t>
+            </a:r>
+            <a:r>
+              <a:rPr lang="zh-CN" altLang="en-US" sz="2000" dirty="0"/>
+              <a:t>通道，该通道通过</a:t>
+            </a:r>
+            <a:r>
+              <a:rPr lang="en-US" altLang="zh-CN" sz="2000" dirty="0"/>
+              <a:t>Web</a:t>
+            </a:r>
+            <a:r>
+              <a:rPr lang="zh-CN" altLang="en-US" sz="2000" dirty="0"/>
+              <a:t>上的一个套接字进行操作</a:t>
+            </a:r>
+            <a:r>
+              <a:rPr lang="zh-CN" altLang="en-US" sz="2000" dirty="0" smtClean="0"/>
+              <a:t>。</a:t>
+            </a:r>
+            <a:endParaRPr lang="en-US" altLang="zh-CN" sz="2000" dirty="0" smtClean="0"/>
+          </a:p>
+          <a:p>
+            <a:r>
+              <a:rPr lang="zh-CN" altLang="en-US" sz="2000" dirty="0"/>
+              <a:t>与不可伸缩的</a:t>
+            </a:r>
+            <a:r>
+              <a:rPr lang="zh-CN" altLang="en-US" sz="2000" dirty="0" smtClean="0"/>
+              <a:t>轮询</a:t>
+            </a:r>
+            <a:r>
+              <a:rPr lang="en-US" altLang="zh-CN" sz="2000" dirty="0" smtClean="0"/>
+              <a:t>(polling)</a:t>
+            </a:r>
+            <a:r>
+              <a:rPr lang="zh-CN" altLang="en-US" sz="2000" dirty="0" smtClean="0"/>
+              <a:t>和</a:t>
+            </a:r>
+            <a:r>
+              <a:rPr lang="zh-CN" altLang="en-US" sz="2000" dirty="0"/>
+              <a:t>长</a:t>
+            </a:r>
+            <a:r>
+              <a:rPr lang="zh-CN" altLang="en-US" sz="2000" dirty="0" smtClean="0"/>
+              <a:t>轮询</a:t>
+            </a:r>
+            <a:r>
+              <a:rPr lang="en-US" altLang="zh-CN" sz="2000" dirty="0" smtClean="0"/>
+              <a:t>(long-polling)</a:t>
+            </a:r>
+            <a:r>
+              <a:rPr lang="zh-CN" altLang="en-US" sz="2000" dirty="0" smtClean="0"/>
+              <a:t>解决</a:t>
+            </a:r>
+            <a:r>
+              <a:rPr lang="zh-CN" altLang="en-US" sz="2000" dirty="0"/>
+              <a:t>方案相比，</a:t>
+            </a:r>
+            <a:r>
+              <a:rPr lang="en-US" altLang="zh-CN" sz="2000" dirty="0"/>
+              <a:t>HTML5 </a:t>
+            </a:r>
+            <a:r>
+              <a:rPr lang="en-US" altLang="zh-CN" sz="2000" dirty="0" err="1"/>
+              <a:t>WebSockets</a:t>
+            </a:r>
+            <a:r>
+              <a:rPr lang="zh-CN" altLang="en-US" sz="2000" dirty="0"/>
+              <a:t>大大减少了不必要的网络流量和延迟，后者通过维护两个连接来模拟全双工连接</a:t>
+            </a:r>
+            <a:r>
+              <a:rPr lang="zh-CN" altLang="en-US" sz="2000" dirty="0" smtClean="0"/>
+              <a:t>。</a:t>
+            </a:r>
+            <a:endParaRPr lang="en-US" altLang="zh-CN" sz="2000" dirty="0" smtClean="0"/>
+          </a:p>
+          <a:p>
+            <a:r>
+              <a:rPr lang="en-US" altLang="zh-CN" sz="2000" dirty="0"/>
+              <a:t>HTML5 </a:t>
+            </a:r>
+            <a:r>
+              <a:rPr lang="en-US" altLang="zh-CN" sz="2000" dirty="0" err="1"/>
+              <a:t>WebSockets</a:t>
+            </a:r>
+            <a:r>
+              <a:rPr lang="zh-CN" altLang="en-US" sz="2000" dirty="0"/>
+              <a:t>考虑到代理和防火墙等网络风险，使得流媒体可以通过任何连接实现，并且能够通过单个连接支持上游和下游通信，因此基于</a:t>
+            </a:r>
+            <a:r>
+              <a:rPr lang="en-US" altLang="zh-CN" sz="2000" dirty="0"/>
+              <a:t>HTML5 </a:t>
+            </a:r>
+            <a:r>
+              <a:rPr lang="en-US" altLang="zh-CN" sz="2000" dirty="0" err="1"/>
+              <a:t>websocket</a:t>
+            </a:r>
+            <a:r>
+              <a:rPr lang="zh-CN" altLang="en-US" sz="2000" dirty="0"/>
+              <a:t>的应用程序对服务器的负担更轻，允许现有的机器支持更多的并发连接</a:t>
+            </a:r>
+            <a:r>
+              <a:rPr lang="zh-CN" altLang="en-US" sz="2000" dirty="0" smtClean="0"/>
+              <a:t>。</a:t>
+            </a:r>
+            <a:endParaRPr lang="en-US" altLang="zh-CN" sz="2000" dirty="0" smtClean="0"/>
+          </a:p>
+          <a:p>
+            <a:r>
+              <a:rPr lang="en-US" altLang="zh-CN" sz="2000" dirty="0" err="1"/>
+              <a:t>WebSocket</a:t>
+            </a:r>
+            <a:r>
+              <a:rPr lang="zh-CN" altLang="en-US" sz="2000" dirty="0"/>
+              <a:t>检测代理服务器的存在，并自动设置一个</a:t>
+            </a:r>
+            <a:r>
+              <a:rPr lang="zh-CN" altLang="en-US" sz="2000" dirty="0" smtClean="0"/>
+              <a:t>通道</a:t>
+            </a:r>
+            <a:r>
+              <a:rPr lang="en-US" altLang="zh-CN" sz="2000" dirty="0" smtClean="0"/>
+              <a:t>(tunnel)</a:t>
+            </a:r>
+            <a:r>
+              <a:rPr lang="zh-CN" altLang="en-US" sz="2000" dirty="0" smtClean="0"/>
+              <a:t>来</a:t>
+            </a:r>
+            <a:r>
+              <a:rPr lang="zh-CN" altLang="en-US" sz="2000" dirty="0"/>
+              <a:t>通过</a:t>
+            </a:r>
+            <a:r>
+              <a:rPr lang="zh-CN" altLang="en-US" sz="2000" dirty="0" smtClean="0"/>
+              <a:t>代理。</a:t>
+            </a:r>
+            <a:r>
+              <a:rPr lang="zh-CN" altLang="en-US" sz="2000" dirty="0"/>
+              <a:t>通道</a:t>
+            </a:r>
+            <a:r>
+              <a:rPr lang="zh-CN" altLang="en-US" sz="2000" dirty="0" smtClean="0"/>
+              <a:t>是</a:t>
+            </a:r>
+            <a:r>
+              <a:rPr lang="zh-CN" altLang="en-US" sz="2000" dirty="0"/>
+              <a:t>通过向代理服务器发出</a:t>
+            </a:r>
+            <a:r>
+              <a:rPr lang="en-US" altLang="zh-CN" sz="2000" dirty="0"/>
+              <a:t>HTTP</a:t>
+            </a:r>
+            <a:r>
+              <a:rPr lang="zh-CN" altLang="en-US" sz="2000" dirty="0"/>
+              <a:t>连接语句来建立的，该语句请求代理服务器打开到特定主机和端口的</a:t>
+            </a:r>
+            <a:r>
+              <a:rPr lang="en-US" altLang="zh-CN" sz="2000" dirty="0"/>
+              <a:t>TCP/IP</a:t>
+            </a:r>
+            <a:r>
+              <a:rPr lang="zh-CN" altLang="en-US" sz="2000" dirty="0"/>
+              <a:t>连接</a:t>
+            </a:r>
+            <a:r>
+              <a:rPr lang="zh-CN" altLang="en-US" sz="2000" dirty="0" smtClean="0"/>
+              <a:t>。一旦</a:t>
+            </a:r>
+            <a:r>
+              <a:rPr lang="zh-CN" altLang="en-US" sz="2000" dirty="0"/>
+              <a:t>建立</a:t>
+            </a:r>
+            <a:r>
+              <a:rPr lang="zh-CN" altLang="en-US" sz="2000" dirty="0" smtClean="0"/>
+              <a:t>了</a:t>
+            </a:r>
+            <a:r>
+              <a:rPr lang="zh-CN" altLang="en-US" sz="2000" dirty="0"/>
+              <a:t>通道</a:t>
+            </a:r>
+            <a:r>
+              <a:rPr lang="zh-CN" altLang="en-US" sz="2000" dirty="0" smtClean="0"/>
+              <a:t>，</a:t>
+            </a:r>
+            <a:r>
+              <a:rPr lang="zh-CN" altLang="en-US" sz="2000" dirty="0"/>
+              <a:t>通信就可以畅通无阻地通过代理。</a:t>
+            </a:r>
+          </a:p>
+          <a:p>
+            <a:endParaRPr lang="zh-CN" altLang="en-US" sz="2000" dirty="0"/>
+          </a:p>
+        </p:txBody>
+      </p:sp>
+    </p:spTree>
+    <p:extLst>
+      <p:ext uri="{BB962C8B-B14F-4D97-AF65-F5344CB8AC3E}">
+        <p14:creationId xmlns:p14="http://schemas.microsoft.com/office/powerpoint/2010/main" val="698303628"/>
+      </p:ext>
+    </p:extLst>
+  </p:cSld>
+  <p:clrMapOvr>
+    <a:masterClrMapping/>
+  </p:clrMapOvr>
+</p:sld>
+</file>
+
+<file path=ppt/slides/slide10.xml><?xml version="1.0" encoding="utf-8"?>
+<p:sld xmlns:a="http://schemas.openxmlformats.org/drawingml/2006/main" xmlns:r="http://schemas.openxmlformats.org/officeDocument/2006/relationships" xmlns:p="http://schemas.openxmlformats.org/presentationml/2006/main">
+  <p:cSld>
+    <p:spTree>
+      <p:nvGrpSpPr>
+        <p:cNvPr id="1" name=""/>
+        <p:cNvGrpSpPr/>
+        <p:nvPr/>
+      </p:nvGrpSpPr>
+      <p:grpSpPr>
+        <a:xfrm>
+          <a:off x="0" y="0"/>
+          <a:ext cx="0" cy="0"/>
+          <a:chOff x="0" y="0"/>
+          <a:chExt cx="0" cy="0"/>
+        </a:xfrm>
+      </p:grpSpPr>
+      <p:sp>
+        <p:nvSpPr>
+          <p:cNvPr id="2" name="内容占位符 2"/>
+          <p:cNvSpPr txBox="1">
+            <a:spLocks/>
+          </p:cNvSpPr>
+          <p:nvPr/>
+        </p:nvSpPr>
+        <p:spPr>
+          <a:xfrm>
+            <a:off x="304800" y="990600"/>
+            <a:ext cx="8382000" cy="5257801"/>
+          </a:xfrm>
+          <a:prstGeom prst="rect">
+            <a:avLst/>
+          </a:prstGeom>
+        </p:spPr>
+        <p:txBody>
+          <a:bodyPr>
+            <a:normAutofit/>
+          </a:bodyPr>
+          <a:lstStyle>
+            <a:lvl1pPr marL="342900" indent="-342900" algn="l" defTabSz="914400" rtl="0" eaLnBrk="1" latinLnBrk="0" hangingPunct="1">
+              <a:spcBef>
+                <a:spcPct val="20000"/>
+              </a:spcBef>
+              <a:buFont typeface="Arial" pitchFamily="34" charset="0"/>
+              <a:buChar char="•"/>
+              <a:defRPr sz="3200" kern="1200">
+                <a:solidFill>
+                  <a:schemeClr val="tx1"/>
+                </a:solidFill>
+                <a:latin typeface="+mn-lt"/>
+                <a:ea typeface="+mn-ea"/>
+                <a:cs typeface="+mn-cs"/>
+              </a:defRPr>
+            </a:lvl1pPr>
+            <a:lvl2pPr marL="742950" indent="-285750" algn="l" defTabSz="914400" rtl="0" eaLnBrk="1" latinLnBrk="0" hangingPunct="1">
+              <a:spcBef>
+                <a:spcPct val="20000"/>
+              </a:spcBef>
+              <a:buFont typeface="Arial" pitchFamily="34" charset="0"/>
+              <a:buChar char="–"/>
+              <a:defRPr sz="2800" kern="1200">
+                <a:solidFill>
+                  <a:schemeClr val="tx1"/>
+                </a:solidFill>
+                <a:latin typeface="+mn-lt"/>
+                <a:ea typeface="+mn-ea"/>
+                <a:cs typeface="+mn-cs"/>
+              </a:defRPr>
+            </a:lvl2pPr>
+            <a:lvl3pPr marL="1143000" indent="-228600" algn="l" defTabSz="914400" rtl="0" eaLnBrk="1" latinLnBrk="0" hangingPunct="1">
+              <a:spcBef>
+                <a:spcPct val="20000"/>
+              </a:spcBef>
+              <a:buFont typeface="Arial" pitchFamily="34" charset="0"/>
+              <a:buChar char="•"/>
+              <a:defRPr sz="2400" kern="1200">
+                <a:solidFill>
+                  <a:schemeClr val="tx1"/>
+                </a:solidFill>
+                <a:latin typeface="+mn-lt"/>
+                <a:ea typeface="+mn-ea"/>
+                <a:cs typeface="+mn-cs"/>
+              </a:defRPr>
+            </a:lvl3pPr>
+            <a:lvl4pPr marL="1600200" indent="-228600" algn="l" defTabSz="914400" rtl="0" eaLnBrk="1" latinLnBrk="0" hangingPunct="1">
+              <a:spcBef>
+                <a:spcPct val="20000"/>
+              </a:spcBef>
+              <a:buFont typeface="Arial" pitchFamily="34" charset="0"/>
+              <a:buChar char="–"/>
+              <a:defRPr sz="2000" kern="1200">
+                <a:solidFill>
+                  <a:schemeClr val="tx1"/>
+                </a:solidFill>
+                <a:latin typeface="+mn-lt"/>
+                <a:ea typeface="+mn-ea"/>
+                <a:cs typeface="+mn-cs"/>
+              </a:defRPr>
+            </a:lvl4pPr>
+            <a:lvl5pPr marL="2057400" indent="-228600" algn="l" defTabSz="914400" rtl="0" eaLnBrk="1" latinLnBrk="0" hangingPunct="1">
+              <a:spcBef>
+                <a:spcPct val="20000"/>
+              </a:spcBef>
+              <a:buFont typeface="Arial" pitchFamily="34" charset="0"/>
+              <a:buChar char="»"/>
+              <a:defRPr sz="2000" kern="1200">
+                <a:solidFill>
+                  <a:schemeClr val="tx1"/>
+                </a:solidFill>
+                <a:latin typeface="+mn-lt"/>
+                <a:ea typeface="+mn-ea"/>
+                <a:cs typeface="+mn-cs"/>
+              </a:defRPr>
+            </a:lvl5pPr>
+            <a:lvl6pPr marL="2514600" indent="-228600" algn="l" defTabSz="914400" rtl="0" eaLnBrk="1" latinLnBrk="0" hangingPunct="1">
+              <a:spcBef>
+                <a:spcPct val="20000"/>
+              </a:spcBef>
+              <a:buFont typeface="Arial" pitchFamily="34" charset="0"/>
+              <a:buChar char="•"/>
+              <a:defRPr sz="2000" kern="1200">
+                <a:solidFill>
+                  <a:schemeClr val="tx1"/>
+                </a:solidFill>
+                <a:latin typeface="+mn-lt"/>
+                <a:ea typeface="+mn-ea"/>
+                <a:cs typeface="+mn-cs"/>
+              </a:defRPr>
+            </a:lvl6pPr>
+            <a:lvl7pPr marL="2971800" indent="-228600" algn="l" defTabSz="914400" rtl="0" eaLnBrk="1" latinLnBrk="0" hangingPunct="1">
+              <a:spcBef>
+                <a:spcPct val="20000"/>
+              </a:spcBef>
+              <a:buFont typeface="Arial" pitchFamily="34" charset="0"/>
+              <a:buChar char="•"/>
+              <a:defRPr sz="2000" kern="1200">
+                <a:solidFill>
+                  <a:schemeClr val="tx1"/>
+                </a:solidFill>
+                <a:latin typeface="+mn-lt"/>
+                <a:ea typeface="+mn-ea"/>
+                <a:cs typeface="+mn-cs"/>
+              </a:defRPr>
+            </a:lvl7pPr>
+            <a:lvl8pPr marL="3429000" indent="-228600" algn="l" defTabSz="914400" rtl="0" eaLnBrk="1" latinLnBrk="0" hangingPunct="1">
+              <a:spcBef>
+                <a:spcPct val="20000"/>
+              </a:spcBef>
+              <a:buFont typeface="Arial" pitchFamily="34" charset="0"/>
+              <a:buChar char="•"/>
+              <a:defRPr sz="2000" kern="1200">
+                <a:solidFill>
+                  <a:schemeClr val="tx1"/>
+                </a:solidFill>
+                <a:latin typeface="+mn-lt"/>
+                <a:ea typeface="+mn-ea"/>
+                <a:cs typeface="+mn-cs"/>
+              </a:defRPr>
+            </a:lvl8pPr>
+            <a:lvl9pPr marL="3886200" indent="-228600" algn="l" defTabSz="914400" rtl="0" eaLnBrk="1" latinLnBrk="0" hangingPunct="1">
+              <a:spcBef>
+                <a:spcPct val="20000"/>
+              </a:spcBef>
+              <a:buFont typeface="Arial" pitchFamily="34" charset="0"/>
+              <a:buChar char="•"/>
+              <a:defRPr sz="2000" kern="1200">
+                <a:solidFill>
+                  <a:schemeClr val="tx1"/>
+                </a:solidFill>
+                <a:latin typeface="+mn-lt"/>
+                <a:ea typeface="+mn-ea"/>
+                <a:cs typeface="+mn-cs"/>
+              </a:defRPr>
+            </a:lvl9pPr>
+          </a:lstStyle>
+          <a:p>
+            <a:pPr marL="0" indent="0">
+              <a:buNone/>
+            </a:pPr>
+            <a:r>
+              <a:rPr lang="en-US" altLang="zh-CN" sz="2000" dirty="0" smtClean="0"/>
+              <a:t>Socket.IO </a:t>
+            </a:r>
+            <a:r>
+              <a:rPr lang="en-US" altLang="zh-CN" sz="2000" dirty="0"/>
+              <a:t>is composed of two parts:</a:t>
+            </a:r>
+          </a:p>
+          <a:p>
+            <a:r>
+              <a:rPr lang="en-US" altLang="zh-CN" sz="2000" dirty="0"/>
+              <a:t>A server that integrates with (or mounts on) the Node.JS HTTP </a:t>
+            </a:r>
+            <a:r>
+              <a:rPr lang="en-US" altLang="zh-CN" sz="2000" dirty="0" smtClean="0"/>
+              <a:t>Server: socket.io</a:t>
+            </a:r>
+            <a:endParaRPr lang="en-US" altLang="zh-CN" sz="2000" dirty="0"/>
+          </a:p>
+          <a:p>
+            <a:r>
+              <a:rPr lang="en-US" altLang="zh-CN" sz="2000" dirty="0"/>
+              <a:t>A client library that loads on the browser </a:t>
+            </a:r>
+            <a:r>
+              <a:rPr lang="en-US" altLang="zh-CN" sz="2000" dirty="0" smtClean="0"/>
+              <a:t>side: socket.io-client</a:t>
+            </a:r>
+          </a:p>
+          <a:p>
+            <a:endParaRPr lang="en-US" altLang="zh-CN" sz="2000" dirty="0"/>
+          </a:p>
+          <a:p>
+            <a:pPr marL="0" indent="0">
+              <a:buNone/>
+            </a:pPr>
+            <a:r>
+              <a:rPr lang="en-US" altLang="zh-CN" sz="2000" dirty="0"/>
+              <a:t>Emitting </a:t>
+            </a:r>
+            <a:r>
+              <a:rPr lang="en-US" altLang="zh-CN" sz="2000" dirty="0" smtClean="0"/>
+              <a:t>events</a:t>
+            </a:r>
+          </a:p>
+          <a:p>
+            <a:r>
+              <a:rPr lang="en-US" altLang="zh-CN" sz="2000" dirty="0" smtClean="0"/>
+              <a:t>Socket.IO</a:t>
+            </a:r>
+            <a:r>
+              <a:rPr lang="zh-CN" altLang="en-US" sz="2000" dirty="0" smtClean="0"/>
+              <a:t>允许你发送和接收任何事件</a:t>
+            </a:r>
+            <a:endParaRPr lang="en-US" altLang="zh-CN" sz="2000" dirty="0" smtClean="0"/>
+          </a:p>
+          <a:p>
+            <a:r>
+              <a:rPr lang="en-US" altLang="zh-CN" sz="2000" dirty="0" err="1" smtClean="0"/>
+              <a:t>socket.emit</a:t>
+            </a:r>
+            <a:r>
+              <a:rPr lang="en-US" altLang="zh-CN" sz="2000" dirty="0" smtClean="0"/>
+              <a:t>(‘event’, </a:t>
+            </a:r>
+            <a:r>
+              <a:rPr lang="en-US" altLang="zh-CN" sz="2000" dirty="0" err="1" smtClean="0"/>
+              <a:t>func</a:t>
+            </a:r>
+            <a:r>
+              <a:rPr lang="en-US" altLang="zh-CN" sz="2000" dirty="0" smtClean="0"/>
+              <a:t>)</a:t>
+            </a:r>
+          </a:p>
+          <a:p>
+            <a:r>
+              <a:rPr lang="en-US" altLang="zh-CN" sz="2000" dirty="0" err="1" smtClean="0"/>
+              <a:t>socket.on</a:t>
+            </a:r>
+            <a:r>
+              <a:rPr lang="en-US" altLang="zh-CN" sz="2000" dirty="0" smtClean="0"/>
+              <a:t>(‘event’, </a:t>
+            </a:r>
+            <a:r>
+              <a:rPr lang="en-US" altLang="zh-CN" sz="2000" dirty="0" err="1" smtClean="0"/>
+              <a:t>func</a:t>
+            </a:r>
+            <a:r>
+              <a:rPr lang="en-US" altLang="zh-CN" sz="2000" dirty="0" smtClean="0"/>
+              <a:t>)</a:t>
+            </a:r>
+          </a:p>
+          <a:p>
+            <a:endParaRPr lang="en-US" altLang="zh-CN" sz="2000" dirty="0"/>
+          </a:p>
+          <a:p>
+            <a:pPr marL="0" indent="0">
+              <a:buNone/>
+            </a:pPr>
+            <a:r>
+              <a:rPr lang="en-US" altLang="zh-CN" sz="2000" dirty="0" smtClean="0"/>
+              <a:t>Broadcasting</a:t>
+            </a:r>
+          </a:p>
+          <a:p>
+            <a:r>
+              <a:rPr lang="en-US" altLang="zh-CN" sz="2000" dirty="0" smtClean="0"/>
+              <a:t>Send an event to everyone: </a:t>
+            </a:r>
+            <a:r>
+              <a:rPr lang="en-US" altLang="zh-CN" sz="2000" dirty="0" err="1" smtClean="0"/>
+              <a:t>io.emit</a:t>
+            </a:r>
+            <a:r>
+              <a:rPr lang="en-US" altLang="zh-CN" sz="2000" dirty="0" smtClean="0"/>
+              <a:t>(‘event’, data)</a:t>
+            </a:r>
+          </a:p>
+          <a:p>
+            <a:r>
+              <a:rPr lang="en-US" altLang="zh-CN" sz="2000" dirty="0" smtClean="0"/>
+              <a:t>Send a message to everyone except for current socket: </a:t>
+            </a:r>
+            <a:r>
+              <a:rPr lang="en-US" altLang="zh-CN" sz="2000" dirty="0" err="1" smtClean="0"/>
+              <a:t>socket.broadcast.emit</a:t>
+            </a:r>
+            <a:r>
+              <a:rPr lang="en-US" altLang="zh-CN" sz="2000" dirty="0" smtClean="0"/>
+              <a:t>(‘event’, data)</a:t>
+            </a:r>
+            <a:endParaRPr lang="en-US" altLang="zh-CN" sz="2000" dirty="0"/>
+          </a:p>
+          <a:p>
+            <a:pPr marL="0" indent="0">
+              <a:buNone/>
+            </a:pPr>
+            <a:endParaRPr lang="en-US" altLang="zh-CN" sz="2000" dirty="0" smtClean="0"/>
+          </a:p>
+          <a:p>
+            <a:pPr marL="0" indent="0">
+              <a:buNone/>
+            </a:pPr>
+            <a:endParaRPr lang="en-US" altLang="zh-CN" sz="2000" dirty="0" smtClean="0"/>
+          </a:p>
+          <a:p>
+            <a:pPr marL="457200" indent="-457200">
+              <a:buFont typeface="+mj-lt"/>
+              <a:buAutoNum type="arabicPeriod"/>
+            </a:pPr>
+            <a:endParaRPr lang="en-US" altLang="zh-CN" sz="2000" dirty="0" smtClean="0"/>
+          </a:p>
+          <a:p>
+            <a:pPr marL="0" indent="0">
+              <a:buNone/>
+            </a:pPr>
+            <a:endParaRPr lang="en-US" altLang="zh-CN" sz="2000" dirty="0" smtClean="0"/>
+          </a:p>
+          <a:p>
+            <a:pPr marL="0" indent="0">
+              <a:buNone/>
+            </a:pPr>
+            <a:endParaRPr lang="zh-CN" altLang="en-US" sz="2000" dirty="0"/>
+          </a:p>
+        </p:txBody>
+      </p:sp>
+      <p:sp>
+        <p:nvSpPr>
+          <p:cNvPr id="3" name="标题 1"/>
+          <p:cNvSpPr txBox="1">
+            <a:spLocks/>
+          </p:cNvSpPr>
+          <p:nvPr/>
+        </p:nvSpPr>
+        <p:spPr>
+          <a:xfrm>
+            <a:off x="304800" y="228600"/>
+            <a:ext cx="8229600" cy="487362"/>
+          </a:xfrm>
+          <a:prstGeom prst="rect">
+            <a:avLst/>
+          </a:prstGeom>
+        </p:spPr>
+        <p:txBody>
+          <a:bodyPr>
+            <a:normAutofit/>
+          </a:bodyPr>
+          <a:lstStyle>
+            <a:lvl1pPr algn="ctr" defTabSz="914400" rtl="0" eaLnBrk="1" latinLnBrk="0" hangingPunct="1">
+              <a:spcBef>
+                <a:spcPct val="0"/>
+              </a:spcBef>
+              <a:buNone/>
+              <a:defRPr sz="4400" kern="1200">
+                <a:solidFill>
+                  <a:schemeClr val="tx1"/>
+                </a:solidFill>
+                <a:latin typeface="+mj-lt"/>
+                <a:ea typeface="+mj-ea"/>
+                <a:cs typeface="+mj-cs"/>
+              </a:defRPr>
+            </a:lvl1pPr>
+          </a:lstStyle>
+          <a:p>
+            <a:pPr algn="l"/>
+            <a:r>
+              <a:rPr lang="zh-CN" altLang="en-US" sz="2400" b="1" dirty="0" smtClean="0"/>
+              <a:t>服务器端实现</a:t>
+            </a:r>
+            <a:r>
+              <a:rPr lang="en-US" altLang="zh-CN" sz="2400" b="1" dirty="0" smtClean="0"/>
+              <a:t>-Socket.IO</a:t>
+            </a:r>
+            <a:endParaRPr lang="zh-CN" altLang="en-US" sz="2400" b="1" dirty="0"/>
+          </a:p>
+        </p:txBody>
+      </p:sp>
+    </p:spTree>
+    <p:extLst>
+      <p:ext uri="{BB962C8B-B14F-4D97-AF65-F5344CB8AC3E}">
+        <p14:creationId xmlns:p14="http://schemas.microsoft.com/office/powerpoint/2010/main" val="2031373478"/>
+      </p:ext>
+    </p:extLst>
+  </p:cSld>
+  <p:clrMapOvr>
+    <a:masterClrMapping/>
+  </p:clrMapOvr>
+</p:sld>
+</file>
+
+<file path=ppt/slides/slide2.xml><?xml version="1.0" encoding="utf-8"?>
+<p:sld xmlns:a="http://schemas.openxmlformats.org/drawingml/2006/main" xmlns:r="http://schemas.openxmlformats.org/officeDocument/2006/relationships" xmlns:p="http://schemas.openxmlformats.org/presentationml/2006/main">
+  <p:cSld>
+    <p:spTree>
+      <p:nvGrpSpPr>
+        <p:cNvPr id="1" name=""/>
+        <p:cNvGrpSpPr/>
+        <p:nvPr/>
+      </p:nvGrpSpPr>
+      <p:grpSpPr>
+        <a:xfrm>
+          <a:off x="0" y="0"/>
+          <a:ext cx="0" cy="0"/>
+          <a:chOff x="0" y="0"/>
+          <a:chExt cx="0" cy="0"/>
+        </a:xfrm>
+      </p:grpSpPr>
+      <p:sp>
+        <p:nvSpPr>
+          <p:cNvPr id="4" name="标题 1"/>
+          <p:cNvSpPr>
+            <a:spLocks noGrp="1"/>
+          </p:cNvSpPr>
+          <p:nvPr>
+            <p:ph type="title"/>
+          </p:nvPr>
+        </p:nvSpPr>
+        <p:spPr>
+          <a:xfrm>
+            <a:off x="304800" y="228600"/>
+            <a:ext cx="8229600" cy="487362"/>
+          </a:xfrm>
+        </p:spPr>
+        <p:txBody>
+          <a:bodyPr>
+            <a:normAutofit/>
+          </a:bodyPr>
+          <a:lstStyle/>
+          <a:p>
+            <a:pPr algn="l"/>
+            <a:r>
+              <a:rPr lang="zh-CN" altLang="en-US" sz="2400" b="1" dirty="0" smtClean="0"/>
+              <a:t>为什么需要</a:t>
+            </a:r>
+            <a:r>
+              <a:rPr lang="en-US" altLang="zh-CN" sz="2400" b="1" dirty="0" err="1" smtClean="0"/>
+              <a:t>WebSocket</a:t>
+            </a:r>
+            <a:r>
+              <a:rPr lang="zh-CN" altLang="en-US" sz="2400" b="1" dirty="0" smtClean="0"/>
+              <a:t>？</a:t>
+            </a:r>
+            <a:endParaRPr lang="zh-CN" altLang="en-US" sz="2400" b="1" dirty="0"/>
+          </a:p>
+        </p:txBody>
+      </p:sp>
+      <p:sp>
+        <p:nvSpPr>
+          <p:cNvPr id="5" name="内容占位符 2"/>
+          <p:cNvSpPr>
+            <a:spLocks noGrp="1"/>
+          </p:cNvSpPr>
+          <p:nvPr>
+            <p:ph idx="1"/>
+          </p:nvPr>
+        </p:nvSpPr>
+        <p:spPr>
+          <a:xfrm>
+            <a:off x="304800" y="838200"/>
+            <a:ext cx="8382000" cy="5638800"/>
+          </a:xfrm>
+        </p:spPr>
+        <p:txBody>
+          <a:bodyPr>
+            <a:normAutofit/>
+          </a:bodyPr>
+          <a:lstStyle/>
+          <a:p>
+            <a:endParaRPr lang="en-US" altLang="zh-CN" sz="2000" dirty="0" smtClean="0"/>
+          </a:p>
+          <a:p>
+            <a:r>
+              <a:rPr lang="en-US" altLang="zh-CN" sz="2000" dirty="0" smtClean="0"/>
+              <a:t>HTTP</a:t>
+            </a:r>
+            <a:r>
+              <a:rPr lang="zh-CN" altLang="en-US" sz="2000" dirty="0" smtClean="0"/>
+              <a:t>协议是单向的，通信只能由客户端发起</a:t>
+            </a:r>
+            <a:r>
+              <a:rPr lang="en-US" altLang="zh-CN" sz="2000" dirty="0" smtClean="0"/>
+              <a:t>(request)</a:t>
+            </a:r>
+            <a:r>
+              <a:rPr lang="zh-CN" altLang="en-US" sz="2000" dirty="0" smtClean="0"/>
+              <a:t>，服务器端返回响应结果</a:t>
+            </a:r>
+            <a:r>
+              <a:rPr lang="en-US" altLang="zh-CN" sz="2000" dirty="0" smtClean="0"/>
+              <a:t>(response)</a:t>
+            </a:r>
+          </a:p>
+          <a:p>
+            <a:r>
+              <a:rPr lang="zh-CN" altLang="en-US" sz="2000" dirty="0" smtClean="0"/>
+              <a:t>半双工协议</a:t>
+            </a:r>
+            <a:r>
+              <a:rPr lang="en-US" altLang="zh-CN" sz="2000" dirty="0" smtClean="0"/>
+              <a:t>(Half-duplex)</a:t>
+            </a:r>
+          </a:p>
+          <a:p>
+            <a:r>
+              <a:rPr lang="zh-CN" altLang="en-US" sz="2000" dirty="0" smtClean="0"/>
+              <a:t>无法响应即时</a:t>
+            </a:r>
+            <a:r>
+              <a:rPr lang="en-US" altLang="zh-CN" sz="2000" dirty="0" smtClean="0"/>
+              <a:t>(real-time)</a:t>
+            </a:r>
+            <a:r>
+              <a:rPr lang="zh-CN" altLang="en-US" sz="2000" dirty="0" smtClean="0"/>
+              <a:t>数据，要想获得更新后的数据只能手动刷新</a:t>
+            </a:r>
+            <a:endParaRPr lang="en-US" altLang="zh-CN" sz="2000" dirty="0" smtClean="0"/>
+          </a:p>
+          <a:p>
+            <a:r>
+              <a:rPr lang="zh-CN" altLang="en-US" sz="2000" dirty="0" smtClean="0"/>
+              <a:t>实现</a:t>
+            </a:r>
+            <a:r>
+              <a:rPr lang="en-US" altLang="zh-CN" sz="2000" dirty="0" smtClean="0"/>
+              <a:t>real-time web applications</a:t>
+            </a:r>
+            <a:r>
+              <a:rPr lang="zh-CN" altLang="en-US" sz="2000" dirty="0" smtClean="0"/>
+              <a:t>的三种途径：</a:t>
+            </a:r>
+            <a:endParaRPr lang="en-US" altLang="zh-CN" sz="2000" dirty="0" smtClean="0"/>
+          </a:p>
+          <a:p>
+            <a:pPr marL="457200" indent="-457200">
+              <a:buFont typeface="+mj-lt"/>
+              <a:buAutoNum type="arabicPeriod"/>
+            </a:pPr>
+            <a:r>
+              <a:rPr lang="zh-CN" altLang="en-US" sz="2000" dirty="0" smtClean="0"/>
+              <a:t>轮询</a:t>
+            </a:r>
+            <a:r>
+              <a:rPr lang="en-US" altLang="zh-CN" sz="2000" dirty="0" smtClean="0"/>
+              <a:t>(polling)——</a:t>
+            </a:r>
+            <a:r>
+              <a:rPr lang="zh-CN" altLang="en-US" sz="2000" dirty="0" smtClean="0"/>
+              <a:t>浏览器定期发送</a:t>
+            </a:r>
+            <a:r>
+              <a:rPr lang="en-US" altLang="zh-CN" sz="2000" dirty="0" smtClean="0"/>
+              <a:t>HTTP</a:t>
+            </a:r>
+            <a:r>
+              <a:rPr lang="zh-CN" altLang="en-US" sz="2000" dirty="0" smtClean="0"/>
+              <a:t>请求，并立即接收响应，比如</a:t>
+            </a:r>
+            <a:r>
+              <a:rPr lang="en-US" altLang="zh-CN" sz="2000" dirty="0" smtClean="0"/>
+              <a:t>1s</a:t>
+            </a:r>
+            <a:r>
+              <a:rPr lang="zh-CN" altLang="en-US" sz="2000" dirty="0" smtClean="0"/>
+              <a:t>发送一次请求 </a:t>
+            </a:r>
+            <a:r>
+              <a:rPr lang="en-US" altLang="zh-CN" sz="2000" i="1" dirty="0" smtClean="0"/>
+              <a:t>Bad: </a:t>
+            </a:r>
+            <a:r>
+              <a:rPr lang="zh-CN" altLang="en-US" sz="2000" dirty="0" smtClean="0"/>
+              <a:t>实时数据通常不可预测，</a:t>
+            </a:r>
+            <a:r>
+              <a:rPr lang="zh-CN" altLang="en-US" sz="2000" dirty="0"/>
+              <a:t>许多</a:t>
+            </a:r>
+            <a:r>
+              <a:rPr lang="zh-CN" altLang="en-US" sz="2000" dirty="0" smtClean="0"/>
+              <a:t>不必要的请求不可避免，会产生许多无效报头</a:t>
+            </a:r>
+            <a:r>
+              <a:rPr lang="en-US" altLang="zh-CN" sz="2000" dirty="0" smtClean="0"/>
+              <a:t>(Header)</a:t>
+            </a:r>
+            <a:r>
+              <a:rPr lang="zh-CN" altLang="en-US" sz="2000" dirty="0" smtClean="0"/>
+              <a:t>，增加网络流量开销。</a:t>
+            </a:r>
+            <a:endParaRPr lang="en-US" altLang="zh-CN" sz="2000" i="1" dirty="0" smtClean="0"/>
+          </a:p>
+          <a:p>
+            <a:pPr marL="457200" indent="-457200">
+              <a:buFont typeface="+mj-lt"/>
+              <a:buAutoNum type="arabicPeriod"/>
+            </a:pPr>
+            <a:r>
+              <a:rPr lang="zh-CN" altLang="en-US" sz="2000" dirty="0"/>
+              <a:t>长</a:t>
+            </a:r>
+            <a:r>
+              <a:rPr lang="zh-CN" altLang="en-US" sz="2000" dirty="0" smtClean="0"/>
+              <a:t>轮询</a:t>
+            </a:r>
+            <a:r>
+              <a:rPr lang="en-US" altLang="zh-CN" sz="2000" dirty="0" smtClean="0"/>
+              <a:t>(long-polling)——</a:t>
+            </a:r>
+            <a:r>
+              <a:rPr lang="zh-CN" altLang="en-US" sz="2000" dirty="0" smtClean="0"/>
+              <a:t>浏览器向服务器发送请求，服务器将请求打开一段时间，如果在此期间收到通知，则向客户端发送包含信息的响应；若没有，则发送响应终止请求。</a:t>
+            </a:r>
+            <a:endParaRPr lang="en-US" altLang="zh-CN" sz="2000" dirty="0" smtClean="0"/>
+          </a:p>
+          <a:p>
+            <a:pPr marL="457200" indent="-457200">
+              <a:buFont typeface="+mj-lt"/>
+              <a:buAutoNum type="arabicPeriod"/>
+            </a:pPr>
+            <a:r>
+              <a:rPr lang="zh-CN" altLang="en-US" sz="2000" dirty="0" smtClean="0"/>
+              <a:t>流媒体</a:t>
+            </a:r>
+            <a:r>
+              <a:rPr lang="en-US" altLang="zh-CN" sz="2000" dirty="0" smtClean="0"/>
+              <a:t>(streaming)——</a:t>
+            </a:r>
+            <a:r>
+              <a:rPr lang="zh-CN" altLang="en-US" sz="2000" dirty="0"/>
+              <a:t>浏览器发送一个完整的请求，但是服务器发送并维护一个打开的响应，该响应将不断更新并无限期地保持打开状态</a:t>
+            </a:r>
+            <a:r>
+              <a:rPr lang="en-US" altLang="zh-CN" sz="2000" dirty="0"/>
+              <a:t>(</a:t>
+            </a:r>
+            <a:r>
+              <a:rPr lang="zh-CN" altLang="en-US" sz="2000" dirty="0"/>
+              <a:t>或一段固定的时间</a:t>
+            </a:r>
+            <a:r>
+              <a:rPr lang="en-US" altLang="zh-CN" sz="2000" dirty="0"/>
+              <a:t>)</a:t>
+            </a:r>
+            <a:r>
+              <a:rPr lang="zh-CN" altLang="en-US" sz="2000" dirty="0" smtClean="0"/>
+              <a:t>。</a:t>
+            </a:r>
+            <a:r>
+              <a:rPr lang="zh-CN" altLang="en-US" sz="2000" dirty="0"/>
+              <a:t>然而，由于流仍然封装在</a:t>
+            </a:r>
+            <a:r>
+              <a:rPr lang="en-US" altLang="zh-CN" sz="2000" dirty="0"/>
+              <a:t>HTTP</a:t>
+            </a:r>
+            <a:r>
+              <a:rPr lang="zh-CN" altLang="en-US" sz="2000" dirty="0"/>
+              <a:t>中，因此介入的防火墙和代理服务器可能选择缓冲响应，从而增加消息传递的延迟。</a:t>
+            </a:r>
+            <a:endParaRPr lang="en-US" altLang="zh-CN" sz="2000" dirty="0" smtClean="0"/>
+          </a:p>
+        </p:txBody>
+      </p:sp>
+    </p:spTree>
+    <p:extLst>
+      <p:ext uri="{BB962C8B-B14F-4D97-AF65-F5344CB8AC3E}">
+        <p14:creationId xmlns:p14="http://schemas.microsoft.com/office/powerpoint/2010/main" val="3075914125"/>
+      </p:ext>
+    </p:extLst>
+  </p:cSld>
+  <p:clrMapOvr>
+    <a:masterClrMapping/>
+  </p:clrMapOvr>
+</p:sld>
+</file>
+
+<file path=ppt/slides/slide3.xml><?xml version="1.0" encoding="utf-8"?>
+<p:sld xmlns:a="http://schemas.openxmlformats.org/drawingml/2006/main" xmlns:r="http://schemas.openxmlformats.org/officeDocument/2006/relationships" xmlns:p="http://schemas.openxmlformats.org/presentationml/2006/main">
+  <p:cSld>
+    <p:spTree>
+      <p:nvGrpSpPr>
+        <p:cNvPr id="1" name=""/>
+        <p:cNvGrpSpPr/>
+        <p:nvPr/>
+      </p:nvGrpSpPr>
+      <p:grpSpPr>
+        <a:xfrm>
+          <a:off x="0" y="0"/>
+          <a:ext cx="0" cy="0"/>
+          <a:chOff x="0" y="0"/>
+          <a:chExt cx="0" cy="0"/>
+        </a:xfrm>
+      </p:grpSpPr>
+      <p:sp>
+        <p:nvSpPr>
+          <p:cNvPr id="2" name="内容占位符 2"/>
+          <p:cNvSpPr txBox="1">
+            <a:spLocks/>
+          </p:cNvSpPr>
+          <p:nvPr/>
+        </p:nvSpPr>
+        <p:spPr>
+          <a:xfrm>
+            <a:off x="304800" y="838200"/>
+            <a:ext cx="8382000" cy="5638800"/>
+          </a:xfrm>
+          <a:prstGeom prst="rect">
+            <a:avLst/>
+          </a:prstGeom>
+        </p:spPr>
+        <p:txBody>
+          <a:bodyPr>
+            <a:normAutofit/>
+          </a:bodyPr>
+          <a:lstStyle>
+            <a:lvl1pPr marL="342900" indent="-342900" algn="l" defTabSz="914400" rtl="0" eaLnBrk="1" latinLnBrk="0" hangingPunct="1">
+              <a:spcBef>
+                <a:spcPct val="20000"/>
+              </a:spcBef>
+              <a:buFont typeface="Arial" pitchFamily="34" charset="0"/>
+              <a:buChar char="•"/>
+              <a:defRPr sz="3200" kern="1200">
+                <a:solidFill>
+                  <a:schemeClr val="tx1"/>
+                </a:solidFill>
+                <a:latin typeface="+mn-lt"/>
+                <a:ea typeface="+mn-ea"/>
+                <a:cs typeface="+mn-cs"/>
+              </a:defRPr>
+            </a:lvl1pPr>
+            <a:lvl2pPr marL="742950" indent="-285750" algn="l" defTabSz="914400" rtl="0" eaLnBrk="1" latinLnBrk="0" hangingPunct="1">
+              <a:spcBef>
+                <a:spcPct val="20000"/>
+              </a:spcBef>
+              <a:buFont typeface="Arial" pitchFamily="34" charset="0"/>
+              <a:buChar char="–"/>
+              <a:defRPr sz="2800" kern="1200">
+                <a:solidFill>
+                  <a:schemeClr val="tx1"/>
+                </a:solidFill>
+                <a:latin typeface="+mn-lt"/>
+                <a:ea typeface="+mn-ea"/>
+                <a:cs typeface="+mn-cs"/>
+              </a:defRPr>
+            </a:lvl2pPr>
+            <a:lvl3pPr marL="1143000" indent="-228600" algn="l" defTabSz="914400" rtl="0" eaLnBrk="1" latinLnBrk="0" hangingPunct="1">
+              <a:spcBef>
+                <a:spcPct val="20000"/>
+              </a:spcBef>
+              <a:buFont typeface="Arial" pitchFamily="34" charset="0"/>
+              <a:buChar char="•"/>
+              <a:defRPr sz="2400" kern="1200">
+                <a:solidFill>
+                  <a:schemeClr val="tx1"/>
+                </a:solidFill>
+                <a:latin typeface="+mn-lt"/>
+                <a:ea typeface="+mn-ea"/>
+                <a:cs typeface="+mn-cs"/>
+              </a:defRPr>
+            </a:lvl3pPr>
+            <a:lvl4pPr marL="1600200" indent="-228600" algn="l" defTabSz="914400" rtl="0" eaLnBrk="1" latinLnBrk="0" hangingPunct="1">
+              <a:spcBef>
+                <a:spcPct val="20000"/>
+              </a:spcBef>
+              <a:buFont typeface="Arial" pitchFamily="34" charset="0"/>
+              <a:buChar char="–"/>
+              <a:defRPr sz="2000" kern="1200">
+                <a:solidFill>
+                  <a:schemeClr val="tx1"/>
+                </a:solidFill>
+                <a:latin typeface="+mn-lt"/>
+                <a:ea typeface="+mn-ea"/>
+                <a:cs typeface="+mn-cs"/>
+              </a:defRPr>
+            </a:lvl4pPr>
+            <a:lvl5pPr marL="2057400" indent="-228600" algn="l" defTabSz="914400" rtl="0" eaLnBrk="1" latinLnBrk="0" hangingPunct="1">
+              <a:spcBef>
+                <a:spcPct val="20000"/>
+              </a:spcBef>
+              <a:buFont typeface="Arial" pitchFamily="34" charset="0"/>
+              <a:buChar char="»"/>
+              <a:defRPr sz="2000" kern="1200">
+                <a:solidFill>
+                  <a:schemeClr val="tx1"/>
+                </a:solidFill>
+                <a:latin typeface="+mn-lt"/>
+                <a:ea typeface="+mn-ea"/>
+                <a:cs typeface="+mn-cs"/>
+              </a:defRPr>
+            </a:lvl5pPr>
+            <a:lvl6pPr marL="2514600" indent="-228600" algn="l" defTabSz="914400" rtl="0" eaLnBrk="1" latinLnBrk="0" hangingPunct="1">
+              <a:spcBef>
+                <a:spcPct val="20000"/>
+              </a:spcBef>
+              <a:buFont typeface="Arial" pitchFamily="34" charset="0"/>
+              <a:buChar char="•"/>
+              <a:defRPr sz="2000" kern="1200">
+                <a:solidFill>
+                  <a:schemeClr val="tx1"/>
+                </a:solidFill>
+                <a:latin typeface="+mn-lt"/>
+                <a:ea typeface="+mn-ea"/>
+                <a:cs typeface="+mn-cs"/>
+              </a:defRPr>
+            </a:lvl6pPr>
+            <a:lvl7pPr marL="2971800" indent="-228600" algn="l" defTabSz="914400" rtl="0" eaLnBrk="1" latinLnBrk="0" hangingPunct="1">
+              <a:spcBef>
+                <a:spcPct val="20000"/>
+              </a:spcBef>
+              <a:buFont typeface="Arial" pitchFamily="34" charset="0"/>
+              <a:buChar char="•"/>
+              <a:defRPr sz="2000" kern="1200">
+                <a:solidFill>
+                  <a:schemeClr val="tx1"/>
+                </a:solidFill>
+                <a:latin typeface="+mn-lt"/>
+                <a:ea typeface="+mn-ea"/>
+                <a:cs typeface="+mn-cs"/>
+              </a:defRPr>
+            </a:lvl7pPr>
+            <a:lvl8pPr marL="3429000" indent="-228600" algn="l" defTabSz="914400" rtl="0" eaLnBrk="1" latinLnBrk="0" hangingPunct="1">
+              <a:spcBef>
+                <a:spcPct val="20000"/>
+              </a:spcBef>
+              <a:buFont typeface="Arial" pitchFamily="34" charset="0"/>
+              <a:buChar char="•"/>
+              <a:defRPr sz="2000" kern="1200">
+                <a:solidFill>
+                  <a:schemeClr val="tx1"/>
+                </a:solidFill>
+                <a:latin typeface="+mn-lt"/>
+                <a:ea typeface="+mn-ea"/>
+                <a:cs typeface="+mn-cs"/>
+              </a:defRPr>
+            </a:lvl8pPr>
+            <a:lvl9pPr marL="3886200" indent="-228600" algn="l" defTabSz="914400" rtl="0" eaLnBrk="1" latinLnBrk="0" hangingPunct="1">
+              <a:spcBef>
+                <a:spcPct val="20000"/>
+              </a:spcBef>
+              <a:buFont typeface="Arial" pitchFamily="34" charset="0"/>
+              <a:buChar char="•"/>
+              <a:defRPr sz="2000" kern="1200">
+                <a:solidFill>
+                  <a:schemeClr val="tx1"/>
+                </a:solidFill>
+                <a:latin typeface="+mn-lt"/>
+                <a:ea typeface="+mn-ea"/>
+                <a:cs typeface="+mn-cs"/>
+              </a:defRPr>
+            </a:lvl9pPr>
+          </a:lstStyle>
+          <a:p>
+            <a:r>
+              <a:rPr lang="zh-CN" altLang="en-US" sz="2000" dirty="0"/>
+              <a:t>为了模拟半双工</a:t>
+            </a:r>
+            <a:r>
+              <a:rPr lang="en-US" altLang="zh-CN" sz="2000" dirty="0"/>
+              <a:t>HTTP</a:t>
+            </a:r>
+            <a:r>
+              <a:rPr lang="zh-CN" altLang="en-US" sz="2000" dirty="0"/>
+              <a:t>上的全双工通信，目前的许多解决方案使用两个连接</a:t>
+            </a:r>
+            <a:r>
+              <a:rPr lang="en-US" altLang="zh-CN" sz="2000" dirty="0"/>
+              <a:t>:</a:t>
+            </a:r>
+            <a:r>
+              <a:rPr lang="zh-CN" altLang="en-US" sz="2000" dirty="0"/>
+              <a:t>一个用于下游，一个用于上游。</a:t>
+            </a:r>
+          </a:p>
+          <a:p>
+            <a:r>
+              <a:rPr lang="zh-CN" altLang="en-US" sz="2000" dirty="0" smtClean="0"/>
+              <a:t>这</a:t>
+            </a:r>
+            <a:r>
+              <a:rPr lang="zh-CN" altLang="en-US" sz="2000" dirty="0"/>
+              <a:t>两个连接的维护和协调在资源消耗方面带来了很大的开销，并增加了很多复杂性。</a:t>
+            </a:r>
+          </a:p>
+          <a:p>
+            <a:r>
+              <a:rPr lang="zh-CN" altLang="en-US" sz="2000" dirty="0" smtClean="0"/>
+              <a:t>简单</a:t>
+            </a:r>
+            <a:r>
+              <a:rPr lang="zh-CN" altLang="en-US" sz="2000" dirty="0"/>
+              <a:t>地说，</a:t>
+            </a:r>
+            <a:r>
+              <a:rPr lang="en-US" altLang="zh-CN" sz="2000" dirty="0"/>
+              <a:t>HTTP</a:t>
+            </a:r>
+            <a:r>
+              <a:rPr lang="zh-CN" altLang="en-US" sz="2000" dirty="0"/>
+              <a:t>不是为实时、全双工通信而设计</a:t>
+            </a:r>
+            <a:r>
+              <a:rPr lang="zh-CN" altLang="en-US" sz="2000" dirty="0" smtClean="0"/>
+              <a:t>的。</a:t>
+            </a:r>
+            <a:endParaRPr lang="zh-CN" altLang="en-US" sz="2000" dirty="0"/>
+          </a:p>
+        </p:txBody>
+      </p:sp>
+    </p:spTree>
+    <p:extLst>
+      <p:ext uri="{BB962C8B-B14F-4D97-AF65-F5344CB8AC3E}">
+        <p14:creationId xmlns:p14="http://schemas.microsoft.com/office/powerpoint/2010/main" val="2607528905"/>
+      </p:ext>
+    </p:extLst>
+  </p:cSld>
+  <p:clrMapOvr>
+    <a:masterClrMapping/>
+  </p:clrMapOvr>
+</p:sld>
+</file>
+
+<file path=ppt/slides/slide4.xml><?xml version="1.0" encoding="utf-8"?>
+<p:sld xmlns:a="http://schemas.openxmlformats.org/drawingml/2006/main" xmlns:r="http://schemas.openxmlformats.org/officeDocument/2006/relationships" xmlns:p="http://schemas.openxmlformats.org/presentationml/2006/main">
+  <p:cSld>
+    <p:spTree>
+      <p:nvGrpSpPr>
+        <p:cNvPr id="1" name=""/>
+        <p:cNvGrpSpPr/>
+        <p:nvPr/>
+      </p:nvGrpSpPr>
+      <p:grpSpPr>
+        <a:xfrm>
+          <a:off x="0" y="0"/>
+          <a:ext cx="0" cy="0"/>
+          <a:chOff x="0" y="0"/>
+          <a:chExt cx="0" cy="0"/>
+        </a:xfrm>
+      </p:grpSpPr>
+      <p:sp>
+        <p:nvSpPr>
+          <p:cNvPr id="2" name="标题 1"/>
+          <p:cNvSpPr txBox="1">
+            <a:spLocks/>
+          </p:cNvSpPr>
+          <p:nvPr/>
+        </p:nvSpPr>
+        <p:spPr>
+          <a:xfrm>
+            <a:off x="304800" y="228600"/>
+            <a:ext cx="8229600" cy="487362"/>
+          </a:xfrm>
+          <a:prstGeom prst="rect">
+            <a:avLst/>
+          </a:prstGeom>
+        </p:spPr>
+        <p:txBody>
+          <a:bodyPr>
+            <a:normAutofit/>
+          </a:bodyPr>
+          <a:lstStyle>
+            <a:lvl1pPr algn="ctr" defTabSz="914400" rtl="0" eaLnBrk="1" latinLnBrk="0" hangingPunct="1">
+              <a:spcBef>
+                <a:spcPct val="0"/>
+              </a:spcBef>
+              <a:buNone/>
+              <a:defRPr sz="4400" kern="1200">
+                <a:solidFill>
+                  <a:schemeClr val="tx1"/>
+                </a:solidFill>
+                <a:latin typeface="+mj-lt"/>
+                <a:ea typeface="+mj-ea"/>
+                <a:cs typeface="+mj-cs"/>
+              </a:defRPr>
+            </a:lvl1pPr>
+          </a:lstStyle>
+          <a:p>
+            <a:pPr algn="l"/>
+            <a:r>
+              <a:rPr lang="en-US" altLang="zh-CN" sz="2400" b="1" dirty="0" err="1" smtClean="0"/>
+              <a:t>WebSocket</a:t>
+            </a:r>
+            <a:r>
+              <a:rPr lang="zh-CN" altLang="en-US" sz="2400" b="1" dirty="0" smtClean="0"/>
+              <a:t>的优势</a:t>
+            </a:r>
+            <a:endParaRPr lang="zh-CN" altLang="en-US" sz="2400" b="1" dirty="0"/>
+          </a:p>
+        </p:txBody>
+      </p:sp>
+      <p:sp>
+        <p:nvSpPr>
+          <p:cNvPr id="3" name="内容占位符 2"/>
+          <p:cNvSpPr txBox="1">
+            <a:spLocks/>
+          </p:cNvSpPr>
+          <p:nvPr/>
+        </p:nvSpPr>
+        <p:spPr>
+          <a:xfrm>
+            <a:off x="304800" y="472281"/>
+            <a:ext cx="8382000" cy="4267200"/>
+          </a:xfrm>
+          <a:prstGeom prst="rect">
+            <a:avLst/>
+          </a:prstGeom>
+        </p:spPr>
+        <p:txBody>
+          <a:bodyPr>
+            <a:normAutofit/>
+          </a:bodyPr>
+          <a:lstStyle>
+            <a:lvl1pPr marL="342900" indent="-342900" algn="l" defTabSz="914400" rtl="0" eaLnBrk="1" latinLnBrk="0" hangingPunct="1">
+              <a:spcBef>
+                <a:spcPct val="20000"/>
+              </a:spcBef>
+              <a:buFont typeface="Arial" pitchFamily="34" charset="0"/>
+              <a:buChar char="•"/>
+              <a:defRPr sz="3200" kern="1200">
+                <a:solidFill>
+                  <a:schemeClr val="tx1"/>
+                </a:solidFill>
+                <a:latin typeface="+mn-lt"/>
+                <a:ea typeface="+mn-ea"/>
+                <a:cs typeface="+mn-cs"/>
+              </a:defRPr>
+            </a:lvl1pPr>
+            <a:lvl2pPr marL="742950" indent="-285750" algn="l" defTabSz="914400" rtl="0" eaLnBrk="1" latinLnBrk="0" hangingPunct="1">
+              <a:spcBef>
+                <a:spcPct val="20000"/>
+              </a:spcBef>
+              <a:buFont typeface="Arial" pitchFamily="34" charset="0"/>
+              <a:buChar char="–"/>
+              <a:defRPr sz="2800" kern="1200">
+                <a:solidFill>
+                  <a:schemeClr val="tx1"/>
+                </a:solidFill>
+                <a:latin typeface="+mn-lt"/>
+                <a:ea typeface="+mn-ea"/>
+                <a:cs typeface="+mn-cs"/>
+              </a:defRPr>
+            </a:lvl2pPr>
+            <a:lvl3pPr marL="1143000" indent="-228600" algn="l" defTabSz="914400" rtl="0" eaLnBrk="1" latinLnBrk="0" hangingPunct="1">
+              <a:spcBef>
+                <a:spcPct val="20000"/>
+              </a:spcBef>
+              <a:buFont typeface="Arial" pitchFamily="34" charset="0"/>
+              <a:buChar char="•"/>
+              <a:defRPr sz="2400" kern="1200">
+                <a:solidFill>
+                  <a:schemeClr val="tx1"/>
+                </a:solidFill>
+                <a:latin typeface="+mn-lt"/>
+                <a:ea typeface="+mn-ea"/>
+                <a:cs typeface="+mn-cs"/>
+              </a:defRPr>
+            </a:lvl3pPr>
+            <a:lvl4pPr marL="1600200" indent="-228600" algn="l" defTabSz="914400" rtl="0" eaLnBrk="1" latinLnBrk="0" hangingPunct="1">
+              <a:spcBef>
+                <a:spcPct val="20000"/>
+              </a:spcBef>
+              <a:buFont typeface="Arial" pitchFamily="34" charset="0"/>
+              <a:buChar char="–"/>
+              <a:defRPr sz="2000" kern="1200">
+                <a:solidFill>
+                  <a:schemeClr val="tx1"/>
+                </a:solidFill>
+                <a:latin typeface="+mn-lt"/>
+                <a:ea typeface="+mn-ea"/>
+                <a:cs typeface="+mn-cs"/>
+              </a:defRPr>
+            </a:lvl4pPr>
+            <a:lvl5pPr marL="2057400" indent="-228600" algn="l" defTabSz="914400" rtl="0" eaLnBrk="1" latinLnBrk="0" hangingPunct="1">
+              <a:spcBef>
+                <a:spcPct val="20000"/>
+              </a:spcBef>
+              <a:buFont typeface="Arial" pitchFamily="34" charset="0"/>
+              <a:buChar char="»"/>
+              <a:defRPr sz="2000" kern="1200">
+                <a:solidFill>
+                  <a:schemeClr val="tx1"/>
+                </a:solidFill>
+                <a:latin typeface="+mn-lt"/>
+                <a:ea typeface="+mn-ea"/>
+                <a:cs typeface="+mn-cs"/>
+              </a:defRPr>
+            </a:lvl5pPr>
+            <a:lvl6pPr marL="2514600" indent="-228600" algn="l" defTabSz="914400" rtl="0" eaLnBrk="1" latinLnBrk="0" hangingPunct="1">
+              <a:spcBef>
+                <a:spcPct val="20000"/>
+              </a:spcBef>
+              <a:buFont typeface="Arial" pitchFamily="34" charset="0"/>
+              <a:buChar char="•"/>
+              <a:defRPr sz="2000" kern="1200">
+                <a:solidFill>
+                  <a:schemeClr val="tx1"/>
+                </a:solidFill>
+                <a:latin typeface="+mn-lt"/>
+                <a:ea typeface="+mn-ea"/>
+                <a:cs typeface="+mn-cs"/>
+              </a:defRPr>
+            </a:lvl6pPr>
+            <a:lvl7pPr marL="2971800" indent="-228600" algn="l" defTabSz="914400" rtl="0" eaLnBrk="1" latinLnBrk="0" hangingPunct="1">
+              <a:spcBef>
+                <a:spcPct val="20000"/>
+              </a:spcBef>
+              <a:buFont typeface="Arial" pitchFamily="34" charset="0"/>
+              <a:buChar char="•"/>
+              <a:defRPr sz="2000" kern="1200">
+                <a:solidFill>
+                  <a:schemeClr val="tx1"/>
+                </a:solidFill>
+                <a:latin typeface="+mn-lt"/>
+                <a:ea typeface="+mn-ea"/>
+                <a:cs typeface="+mn-cs"/>
+              </a:defRPr>
+            </a:lvl7pPr>
+            <a:lvl8pPr marL="3429000" indent="-228600" algn="l" defTabSz="914400" rtl="0" eaLnBrk="1" latinLnBrk="0" hangingPunct="1">
+              <a:spcBef>
+                <a:spcPct val="20000"/>
+              </a:spcBef>
+              <a:buFont typeface="Arial" pitchFamily="34" charset="0"/>
+              <a:buChar char="•"/>
+              <a:defRPr sz="2000" kern="1200">
+                <a:solidFill>
+                  <a:schemeClr val="tx1"/>
+                </a:solidFill>
+                <a:latin typeface="+mn-lt"/>
+                <a:ea typeface="+mn-ea"/>
+                <a:cs typeface="+mn-cs"/>
+              </a:defRPr>
+            </a:lvl8pPr>
+            <a:lvl9pPr marL="3886200" indent="-228600" algn="l" defTabSz="914400" rtl="0" eaLnBrk="1" latinLnBrk="0" hangingPunct="1">
+              <a:spcBef>
+                <a:spcPct val="20000"/>
+              </a:spcBef>
+              <a:buFont typeface="Arial" pitchFamily="34" charset="0"/>
+              <a:buChar char="•"/>
+              <a:defRPr sz="2000" kern="1200">
+                <a:solidFill>
+                  <a:schemeClr val="tx1"/>
+                </a:solidFill>
+                <a:latin typeface="+mn-lt"/>
+                <a:ea typeface="+mn-ea"/>
+                <a:cs typeface="+mn-cs"/>
+              </a:defRPr>
+            </a:lvl9pPr>
+          </a:lstStyle>
+          <a:p>
+            <a:endParaRPr lang="en-US" altLang="zh-CN" sz="2000" dirty="0" smtClean="0"/>
+          </a:p>
+          <a:p>
+            <a:r>
+              <a:rPr lang="zh-CN" altLang="en-US" sz="2000" dirty="0"/>
+              <a:t>建立在 </a:t>
+            </a:r>
+            <a:r>
+              <a:rPr lang="en-US" altLang="zh-CN" sz="2000" dirty="0"/>
+              <a:t>TCP </a:t>
+            </a:r>
+            <a:r>
+              <a:rPr lang="zh-CN" altLang="en-US" sz="2000" dirty="0"/>
+              <a:t>协议之上，服务器端的实现比较容易</a:t>
+            </a:r>
+            <a:r>
+              <a:rPr lang="zh-CN" altLang="en-US" sz="2000" dirty="0"/>
+              <a:t>。</a:t>
+            </a:r>
+            <a:endParaRPr lang="en-US" altLang="zh-CN" sz="2000" dirty="0"/>
+          </a:p>
+          <a:p>
+            <a:r>
+              <a:rPr lang="zh-CN" altLang="en-US" sz="2000" dirty="0"/>
+              <a:t>与 </a:t>
+            </a:r>
+            <a:r>
+              <a:rPr lang="en-US" altLang="zh-CN" sz="2000" dirty="0"/>
+              <a:t>HTTP </a:t>
+            </a:r>
+            <a:r>
+              <a:rPr lang="zh-CN" altLang="en-US" sz="2000" dirty="0"/>
+              <a:t>协议有着良好的兼容性。默认端口也是</a:t>
+            </a:r>
+            <a:r>
+              <a:rPr lang="en-US" altLang="zh-CN" sz="2000" dirty="0"/>
+              <a:t>80</a:t>
+            </a:r>
+            <a:r>
+              <a:rPr lang="zh-CN" altLang="en-US" sz="2000" dirty="0"/>
+              <a:t>和</a:t>
+            </a:r>
+            <a:r>
+              <a:rPr lang="en-US" altLang="zh-CN" sz="2000" dirty="0"/>
+              <a:t>443</a:t>
+            </a:r>
+            <a:r>
+              <a:rPr lang="zh-CN" altLang="en-US" sz="2000" dirty="0"/>
+              <a:t>，并且握手阶段采用 </a:t>
+            </a:r>
+            <a:r>
+              <a:rPr lang="en-US" altLang="zh-CN" sz="2000" dirty="0"/>
+              <a:t>HTTP </a:t>
+            </a:r>
+            <a:r>
+              <a:rPr lang="zh-CN" altLang="en-US" sz="2000" dirty="0"/>
+              <a:t>协议，因此握手时不容易屏蔽，能通过各种 </a:t>
+            </a:r>
+            <a:r>
+              <a:rPr lang="en-US" altLang="zh-CN" sz="2000" dirty="0"/>
+              <a:t>HTTP </a:t>
+            </a:r>
+            <a:r>
+              <a:rPr lang="zh-CN" altLang="en-US" sz="2000" dirty="0"/>
+              <a:t>代理服务器</a:t>
+            </a:r>
+            <a:r>
+              <a:rPr lang="zh-CN" altLang="en-US" sz="2000" dirty="0" smtClean="0"/>
+              <a:t>。</a:t>
+            </a:r>
+            <a:endParaRPr lang="en-US" altLang="zh-CN" sz="2000" dirty="0" smtClean="0"/>
+          </a:p>
+          <a:p>
+            <a:r>
+              <a:rPr lang="zh-CN" altLang="en-US" sz="2000" dirty="0"/>
+              <a:t>一旦建立，</a:t>
+            </a:r>
+            <a:r>
+              <a:rPr lang="en-US" altLang="zh-CN" sz="2000" dirty="0" err="1"/>
+              <a:t>WebSocket</a:t>
+            </a:r>
+            <a:r>
+              <a:rPr lang="zh-CN" altLang="en-US" sz="2000" dirty="0"/>
+              <a:t>数据帧就可以在客户端和服务器之间以全双工模式来回发送</a:t>
+            </a:r>
+            <a:r>
+              <a:rPr lang="zh-CN" altLang="en-US" sz="2000" dirty="0" smtClean="0"/>
+              <a:t>。</a:t>
+            </a:r>
+            <a:endParaRPr lang="en-US" altLang="zh-CN" sz="2000" dirty="0" smtClean="0"/>
+          </a:p>
+          <a:p>
+            <a:r>
+              <a:rPr lang="zh-CN" altLang="en-US" sz="2000" dirty="0" smtClean="0"/>
+              <a:t>文本</a:t>
+            </a:r>
+            <a:r>
+              <a:rPr lang="zh-CN" altLang="en-US" sz="2000" dirty="0"/>
+              <a:t>帧和二进制帧都可以同时向任何一个</a:t>
+            </a:r>
+            <a:r>
+              <a:rPr lang="zh-CN" altLang="en-US" sz="2000" dirty="0" smtClean="0"/>
+              <a:t>方向</a:t>
+            </a:r>
+            <a:r>
+              <a:rPr lang="zh-CN" altLang="en-US" sz="2000" dirty="0"/>
+              <a:t>全双工</a:t>
+            </a:r>
+            <a:r>
+              <a:rPr lang="zh-CN" altLang="en-US" sz="2000" dirty="0" smtClean="0"/>
+              <a:t>发送。</a:t>
+            </a:r>
+            <a:endParaRPr lang="en-US" altLang="zh-CN" sz="2000" dirty="0" smtClean="0"/>
+          </a:p>
+          <a:p>
+            <a:r>
+              <a:rPr lang="zh-CN" altLang="en-US" sz="2000" dirty="0"/>
+              <a:t>数据最少只包含两个字节</a:t>
+            </a:r>
+            <a:r>
+              <a:rPr lang="zh-CN" altLang="en-US" sz="2000" dirty="0" smtClean="0"/>
+              <a:t>。在</a:t>
+            </a:r>
+            <a:r>
+              <a:rPr lang="zh-CN" altLang="en-US" sz="2000" dirty="0"/>
+              <a:t>文本帧的情况下，每个帧以</a:t>
+            </a:r>
+            <a:r>
+              <a:rPr lang="en-US" altLang="zh-CN" sz="2000" dirty="0"/>
+              <a:t>0x00</a:t>
+            </a:r>
+            <a:r>
+              <a:rPr lang="zh-CN" altLang="en-US" sz="2000" dirty="0"/>
+              <a:t>字节开始，以</a:t>
+            </a:r>
+            <a:r>
+              <a:rPr lang="en-US" altLang="zh-CN" sz="2000" dirty="0"/>
+              <a:t>0xFF</a:t>
+            </a:r>
+            <a:r>
+              <a:rPr lang="zh-CN" altLang="en-US" sz="2000" dirty="0"/>
+              <a:t>字节结束，并在这两者之间包含</a:t>
+            </a:r>
+            <a:r>
+              <a:rPr lang="en-US" altLang="zh-CN" sz="2000" dirty="0"/>
+              <a:t>UTF-8</a:t>
+            </a:r>
+            <a:r>
+              <a:rPr lang="zh-CN" altLang="en-US" sz="2000" dirty="0" smtClean="0"/>
+              <a:t>数据。数据格式轻量，性能开销小。</a:t>
+            </a:r>
+            <a:endParaRPr lang="en-US" altLang="zh-CN" sz="2000" dirty="0" smtClean="0"/>
+          </a:p>
+          <a:p>
+            <a:r>
+              <a:rPr lang="zh-CN" altLang="en-US" sz="2000" dirty="0"/>
+              <a:t>没有同源限制，客户端可以与任意服务器通信。</a:t>
+            </a:r>
+            <a:endParaRPr lang="en-US" altLang="zh-CN" sz="2000" dirty="0" smtClean="0"/>
+          </a:p>
+          <a:p>
+            <a:endParaRPr lang="en-US" altLang="zh-CN" sz="2000" dirty="0" smtClean="0"/>
+          </a:p>
+        </p:txBody>
+      </p:sp>
+      <p:pic>
+        <p:nvPicPr>
+          <p:cNvPr id="5" name="图片 4"/>
+          <p:cNvPicPr>
+            <a:picLocks noChangeAspect="1"/>
+          </p:cNvPicPr>
+          <p:nvPr/>
+        </p:nvPicPr>
+        <p:blipFill>
+          <a:blip r:embed="rId2"/>
+          <a:stretch>
+            <a:fillRect/>
+          </a:stretch>
+        </p:blipFill>
+        <p:spPr>
+          <a:xfrm>
+            <a:off x="609600" y="4648200"/>
+            <a:ext cx="3314700" cy="1990725"/>
+          </a:xfrm>
+          <a:prstGeom prst="rect">
+            <a:avLst/>
+          </a:prstGeom>
+        </p:spPr>
+      </p:pic>
+    </p:spTree>
+    <p:extLst>
+      <p:ext uri="{BB962C8B-B14F-4D97-AF65-F5344CB8AC3E}">
+        <p14:creationId xmlns:p14="http://schemas.microsoft.com/office/powerpoint/2010/main" val="1273193410"/>
+      </p:ext>
+    </p:extLst>
+  </p:cSld>
+  <p:clrMapOvr>
+    <a:masterClrMapping/>
+  </p:clrMapOvr>
+</p:sld>
+</file>
+
+<file path=ppt/slides/slide5.xml><?xml version="1.0" encoding="utf-8"?>
+<p:sld xmlns:a="http://schemas.openxmlformats.org/drawingml/2006/main" xmlns:r="http://schemas.openxmlformats.org/officeDocument/2006/relationships" xmlns:p="http://schemas.openxmlformats.org/presentationml/2006/main">
+  <p:cSld>
+    <p:spTree>
+      <p:nvGrpSpPr>
+        <p:cNvPr id="1" name=""/>
+        <p:cNvGrpSpPr/>
+        <p:nvPr/>
+      </p:nvGrpSpPr>
+      <p:grpSpPr>
+        <a:xfrm>
+          <a:off x="0" y="0"/>
+          <a:ext cx="0" cy="0"/>
+          <a:chOff x="0" y="0"/>
+          <a:chExt cx="0" cy="0"/>
+        </a:xfrm>
+      </p:grpSpPr>
+      <p:sp>
+        <p:nvSpPr>
+          <p:cNvPr id="3" name="标题 1"/>
+          <p:cNvSpPr txBox="1">
+            <a:spLocks/>
+          </p:cNvSpPr>
+          <p:nvPr/>
+        </p:nvSpPr>
+        <p:spPr>
+          <a:xfrm>
+            <a:off x="304800" y="228600"/>
+            <a:ext cx="8229600" cy="487362"/>
+          </a:xfrm>
+          <a:prstGeom prst="rect">
+            <a:avLst/>
+          </a:prstGeom>
+        </p:spPr>
+        <p:txBody>
+          <a:bodyPr>
+            <a:normAutofit/>
+          </a:bodyPr>
+          <a:lstStyle>
+            <a:lvl1pPr algn="ctr" defTabSz="914400" rtl="0" eaLnBrk="1" latinLnBrk="0" hangingPunct="1">
+              <a:spcBef>
+                <a:spcPct val="0"/>
+              </a:spcBef>
+              <a:buNone/>
+              <a:defRPr sz="4400" kern="1200">
+                <a:solidFill>
+                  <a:schemeClr val="tx1"/>
+                </a:solidFill>
+                <a:latin typeface="+mj-lt"/>
+                <a:ea typeface="+mj-ea"/>
+                <a:cs typeface="+mj-cs"/>
+              </a:defRPr>
+            </a:lvl1pPr>
+          </a:lstStyle>
+          <a:p>
+            <a:pPr algn="l"/>
+            <a:r>
+              <a:rPr lang="en-US" altLang="zh-CN" sz="2400" b="1" dirty="0" smtClean="0"/>
+              <a:t>HTTP vs. </a:t>
+            </a:r>
+            <a:r>
+              <a:rPr lang="en-US" altLang="zh-CN" sz="2400" b="1" dirty="0" err="1" smtClean="0"/>
+              <a:t>WebSocket</a:t>
+            </a:r>
+            <a:endParaRPr lang="zh-CN" altLang="en-US" sz="2400" b="1" dirty="0"/>
+          </a:p>
+        </p:txBody>
+      </p:sp>
+      <p:sp>
+        <p:nvSpPr>
+          <p:cNvPr id="4" name="内容占位符 2"/>
+          <p:cNvSpPr txBox="1">
+            <a:spLocks/>
+          </p:cNvSpPr>
+          <p:nvPr/>
+        </p:nvSpPr>
+        <p:spPr>
+          <a:xfrm>
+            <a:off x="340895" y="715962"/>
+            <a:ext cx="2097505" cy="609600"/>
+          </a:xfrm>
+          <a:prstGeom prst="rect">
+            <a:avLst/>
+          </a:prstGeom>
+        </p:spPr>
+        <p:txBody>
+          <a:bodyPr>
+            <a:normAutofit fontScale="85000" lnSpcReduction="10000"/>
+          </a:bodyPr>
+          <a:lstStyle>
+            <a:lvl1pPr marL="342900" indent="-342900" algn="l" defTabSz="914400" rtl="0" eaLnBrk="1" latinLnBrk="0" hangingPunct="1">
+              <a:spcBef>
+                <a:spcPct val="20000"/>
+              </a:spcBef>
+              <a:buFont typeface="Arial" pitchFamily="34" charset="0"/>
+              <a:buChar char="•"/>
+              <a:defRPr sz="3200" kern="1200">
+                <a:solidFill>
+                  <a:schemeClr val="tx1"/>
+                </a:solidFill>
+                <a:latin typeface="+mn-lt"/>
+                <a:ea typeface="+mn-ea"/>
+                <a:cs typeface="+mn-cs"/>
+              </a:defRPr>
+            </a:lvl1pPr>
+            <a:lvl2pPr marL="742950" indent="-285750" algn="l" defTabSz="914400" rtl="0" eaLnBrk="1" latinLnBrk="0" hangingPunct="1">
+              <a:spcBef>
+                <a:spcPct val="20000"/>
+              </a:spcBef>
+              <a:buFont typeface="Arial" pitchFamily="34" charset="0"/>
+              <a:buChar char="–"/>
+              <a:defRPr sz="2800" kern="1200">
+                <a:solidFill>
+                  <a:schemeClr val="tx1"/>
+                </a:solidFill>
+                <a:latin typeface="+mn-lt"/>
+                <a:ea typeface="+mn-ea"/>
+                <a:cs typeface="+mn-cs"/>
+              </a:defRPr>
+            </a:lvl2pPr>
+            <a:lvl3pPr marL="1143000" indent="-228600" algn="l" defTabSz="914400" rtl="0" eaLnBrk="1" latinLnBrk="0" hangingPunct="1">
+              <a:spcBef>
+                <a:spcPct val="20000"/>
+              </a:spcBef>
+              <a:buFont typeface="Arial" pitchFamily="34" charset="0"/>
+              <a:buChar char="•"/>
+              <a:defRPr sz="2400" kern="1200">
+                <a:solidFill>
+                  <a:schemeClr val="tx1"/>
+                </a:solidFill>
+                <a:latin typeface="+mn-lt"/>
+                <a:ea typeface="+mn-ea"/>
+                <a:cs typeface="+mn-cs"/>
+              </a:defRPr>
+            </a:lvl3pPr>
+            <a:lvl4pPr marL="1600200" indent="-228600" algn="l" defTabSz="914400" rtl="0" eaLnBrk="1" latinLnBrk="0" hangingPunct="1">
+              <a:spcBef>
+                <a:spcPct val="20000"/>
+              </a:spcBef>
+              <a:buFont typeface="Arial" pitchFamily="34" charset="0"/>
+              <a:buChar char="–"/>
+              <a:defRPr sz="2000" kern="1200">
+                <a:solidFill>
+                  <a:schemeClr val="tx1"/>
+                </a:solidFill>
+                <a:latin typeface="+mn-lt"/>
+                <a:ea typeface="+mn-ea"/>
+                <a:cs typeface="+mn-cs"/>
+              </a:defRPr>
+            </a:lvl4pPr>
+            <a:lvl5pPr marL="2057400" indent="-228600" algn="l" defTabSz="914400" rtl="0" eaLnBrk="1" latinLnBrk="0" hangingPunct="1">
+              <a:spcBef>
+                <a:spcPct val="20000"/>
+              </a:spcBef>
+              <a:buFont typeface="Arial" pitchFamily="34" charset="0"/>
+              <a:buChar char="»"/>
+              <a:defRPr sz="2000" kern="1200">
+                <a:solidFill>
+                  <a:schemeClr val="tx1"/>
+                </a:solidFill>
+                <a:latin typeface="+mn-lt"/>
+                <a:ea typeface="+mn-ea"/>
+                <a:cs typeface="+mn-cs"/>
+              </a:defRPr>
+            </a:lvl5pPr>
+            <a:lvl6pPr marL="2514600" indent="-228600" algn="l" defTabSz="914400" rtl="0" eaLnBrk="1" latinLnBrk="0" hangingPunct="1">
+              <a:spcBef>
+                <a:spcPct val="20000"/>
+              </a:spcBef>
+              <a:buFont typeface="Arial" pitchFamily="34" charset="0"/>
+              <a:buChar char="•"/>
+              <a:defRPr sz="2000" kern="1200">
+                <a:solidFill>
+                  <a:schemeClr val="tx1"/>
+                </a:solidFill>
+                <a:latin typeface="+mn-lt"/>
+                <a:ea typeface="+mn-ea"/>
+                <a:cs typeface="+mn-cs"/>
+              </a:defRPr>
+            </a:lvl6pPr>
+            <a:lvl7pPr marL="2971800" indent="-228600" algn="l" defTabSz="914400" rtl="0" eaLnBrk="1" latinLnBrk="0" hangingPunct="1">
+              <a:spcBef>
+                <a:spcPct val="20000"/>
+              </a:spcBef>
+              <a:buFont typeface="Arial" pitchFamily="34" charset="0"/>
+              <a:buChar char="•"/>
+              <a:defRPr sz="2000" kern="1200">
+                <a:solidFill>
+                  <a:schemeClr val="tx1"/>
+                </a:solidFill>
+                <a:latin typeface="+mn-lt"/>
+                <a:ea typeface="+mn-ea"/>
+                <a:cs typeface="+mn-cs"/>
+              </a:defRPr>
+            </a:lvl7pPr>
+            <a:lvl8pPr marL="3429000" indent="-228600" algn="l" defTabSz="914400" rtl="0" eaLnBrk="1" latinLnBrk="0" hangingPunct="1">
+              <a:spcBef>
+                <a:spcPct val="20000"/>
+              </a:spcBef>
+              <a:buFont typeface="Arial" pitchFamily="34" charset="0"/>
+              <a:buChar char="•"/>
+              <a:defRPr sz="2000" kern="1200">
+                <a:solidFill>
+                  <a:schemeClr val="tx1"/>
+                </a:solidFill>
+                <a:latin typeface="+mn-lt"/>
+                <a:ea typeface="+mn-ea"/>
+                <a:cs typeface="+mn-cs"/>
+              </a:defRPr>
+            </a:lvl8pPr>
+            <a:lvl9pPr marL="3886200" indent="-228600" algn="l" defTabSz="914400" rtl="0" eaLnBrk="1" latinLnBrk="0" hangingPunct="1">
+              <a:spcBef>
+                <a:spcPct val="20000"/>
+              </a:spcBef>
+              <a:buFont typeface="Arial" pitchFamily="34" charset="0"/>
+              <a:buChar char="•"/>
+              <a:defRPr sz="2000" kern="1200">
+                <a:solidFill>
+                  <a:schemeClr val="tx1"/>
+                </a:solidFill>
+                <a:latin typeface="+mn-lt"/>
+                <a:ea typeface="+mn-ea"/>
+                <a:cs typeface="+mn-cs"/>
+              </a:defRPr>
+            </a:lvl9pPr>
+          </a:lstStyle>
+          <a:p>
+            <a:pPr marL="0" indent="0">
+              <a:buNone/>
+            </a:pPr>
+            <a:endParaRPr lang="en-US" altLang="zh-CN" sz="2000" dirty="0" smtClean="0"/>
+          </a:p>
+          <a:p>
+            <a:pPr marL="0" indent="0">
+              <a:buNone/>
+            </a:pPr>
+            <a:r>
+              <a:rPr lang="en-US" altLang="zh-CN" sz="2000" dirty="0"/>
+              <a:t>HTTP request header</a:t>
+            </a:r>
+            <a:endParaRPr lang="en-US" altLang="zh-CN" sz="2000" dirty="0" smtClean="0"/>
+          </a:p>
+        </p:txBody>
+      </p:sp>
+      <p:pic>
+        <p:nvPicPr>
+          <p:cNvPr id="5" name="图片 4"/>
+          <p:cNvPicPr>
+            <a:picLocks noChangeAspect="1"/>
+          </p:cNvPicPr>
+          <p:nvPr/>
+        </p:nvPicPr>
+        <p:blipFill>
+          <a:blip r:embed="rId2"/>
+          <a:stretch>
+            <a:fillRect/>
+          </a:stretch>
+        </p:blipFill>
+        <p:spPr>
+          <a:xfrm>
+            <a:off x="228600" y="1524000"/>
+            <a:ext cx="5514975" cy="2924175"/>
+          </a:xfrm>
+          <a:prstGeom prst="rect">
+            <a:avLst/>
+          </a:prstGeom>
+        </p:spPr>
+      </p:pic>
+      <p:sp>
+        <p:nvSpPr>
+          <p:cNvPr id="6" name="内容占位符 2"/>
+          <p:cNvSpPr txBox="1">
+            <a:spLocks/>
+          </p:cNvSpPr>
+          <p:nvPr/>
+        </p:nvSpPr>
+        <p:spPr>
+          <a:xfrm>
+            <a:off x="5743575" y="815181"/>
+            <a:ext cx="2097505" cy="609600"/>
+          </a:xfrm>
+          <a:prstGeom prst="rect">
+            <a:avLst/>
+          </a:prstGeom>
+        </p:spPr>
+        <p:txBody>
+          <a:bodyPr>
+            <a:normAutofit fontScale="77500" lnSpcReduction="20000"/>
+          </a:bodyPr>
+          <a:lstStyle>
+            <a:lvl1pPr marL="342900" indent="-342900" algn="l" defTabSz="914400" rtl="0" eaLnBrk="1" latinLnBrk="0" hangingPunct="1">
+              <a:spcBef>
+                <a:spcPct val="20000"/>
+              </a:spcBef>
+              <a:buFont typeface="Arial" pitchFamily="34" charset="0"/>
+              <a:buChar char="•"/>
+              <a:defRPr sz="3200" kern="1200">
+                <a:solidFill>
+                  <a:schemeClr val="tx1"/>
+                </a:solidFill>
+                <a:latin typeface="+mn-lt"/>
+                <a:ea typeface="+mn-ea"/>
+                <a:cs typeface="+mn-cs"/>
+              </a:defRPr>
+            </a:lvl1pPr>
+            <a:lvl2pPr marL="742950" indent="-285750" algn="l" defTabSz="914400" rtl="0" eaLnBrk="1" latinLnBrk="0" hangingPunct="1">
+              <a:spcBef>
+                <a:spcPct val="20000"/>
+              </a:spcBef>
+              <a:buFont typeface="Arial" pitchFamily="34" charset="0"/>
+              <a:buChar char="–"/>
+              <a:defRPr sz="2800" kern="1200">
+                <a:solidFill>
+                  <a:schemeClr val="tx1"/>
+                </a:solidFill>
+                <a:latin typeface="+mn-lt"/>
+                <a:ea typeface="+mn-ea"/>
+                <a:cs typeface="+mn-cs"/>
+              </a:defRPr>
+            </a:lvl2pPr>
+            <a:lvl3pPr marL="1143000" indent="-228600" algn="l" defTabSz="914400" rtl="0" eaLnBrk="1" latinLnBrk="0" hangingPunct="1">
+              <a:spcBef>
+                <a:spcPct val="20000"/>
+              </a:spcBef>
+              <a:buFont typeface="Arial" pitchFamily="34" charset="0"/>
+              <a:buChar char="•"/>
+              <a:defRPr sz="2400" kern="1200">
+                <a:solidFill>
+                  <a:schemeClr val="tx1"/>
+                </a:solidFill>
+                <a:latin typeface="+mn-lt"/>
+                <a:ea typeface="+mn-ea"/>
+                <a:cs typeface="+mn-cs"/>
+              </a:defRPr>
+            </a:lvl3pPr>
+            <a:lvl4pPr marL="1600200" indent="-228600" algn="l" defTabSz="914400" rtl="0" eaLnBrk="1" latinLnBrk="0" hangingPunct="1">
+              <a:spcBef>
+                <a:spcPct val="20000"/>
+              </a:spcBef>
+              <a:buFont typeface="Arial" pitchFamily="34" charset="0"/>
+              <a:buChar char="–"/>
+              <a:defRPr sz="2000" kern="1200">
+                <a:solidFill>
+                  <a:schemeClr val="tx1"/>
+                </a:solidFill>
+                <a:latin typeface="+mn-lt"/>
+                <a:ea typeface="+mn-ea"/>
+                <a:cs typeface="+mn-cs"/>
+              </a:defRPr>
+            </a:lvl4pPr>
+            <a:lvl5pPr marL="2057400" indent="-228600" algn="l" defTabSz="914400" rtl="0" eaLnBrk="1" latinLnBrk="0" hangingPunct="1">
+              <a:spcBef>
+                <a:spcPct val="20000"/>
+              </a:spcBef>
+              <a:buFont typeface="Arial" pitchFamily="34" charset="0"/>
+              <a:buChar char="»"/>
+              <a:defRPr sz="2000" kern="1200">
+                <a:solidFill>
+                  <a:schemeClr val="tx1"/>
+                </a:solidFill>
+                <a:latin typeface="+mn-lt"/>
+                <a:ea typeface="+mn-ea"/>
+                <a:cs typeface="+mn-cs"/>
+              </a:defRPr>
+            </a:lvl5pPr>
+            <a:lvl6pPr marL="2514600" indent="-228600" algn="l" defTabSz="914400" rtl="0" eaLnBrk="1" latinLnBrk="0" hangingPunct="1">
+              <a:spcBef>
+                <a:spcPct val="20000"/>
+              </a:spcBef>
+              <a:buFont typeface="Arial" pitchFamily="34" charset="0"/>
+              <a:buChar char="•"/>
+              <a:defRPr sz="2000" kern="1200">
+                <a:solidFill>
+                  <a:schemeClr val="tx1"/>
+                </a:solidFill>
+                <a:latin typeface="+mn-lt"/>
+                <a:ea typeface="+mn-ea"/>
+                <a:cs typeface="+mn-cs"/>
+              </a:defRPr>
+            </a:lvl6pPr>
+            <a:lvl7pPr marL="2971800" indent="-228600" algn="l" defTabSz="914400" rtl="0" eaLnBrk="1" latinLnBrk="0" hangingPunct="1">
+              <a:spcBef>
+                <a:spcPct val="20000"/>
+              </a:spcBef>
+              <a:buFont typeface="Arial" pitchFamily="34" charset="0"/>
+              <a:buChar char="•"/>
+              <a:defRPr sz="2000" kern="1200">
+                <a:solidFill>
+                  <a:schemeClr val="tx1"/>
+                </a:solidFill>
+                <a:latin typeface="+mn-lt"/>
+                <a:ea typeface="+mn-ea"/>
+                <a:cs typeface="+mn-cs"/>
+              </a:defRPr>
+            </a:lvl7pPr>
+            <a:lvl8pPr marL="3429000" indent="-228600" algn="l" defTabSz="914400" rtl="0" eaLnBrk="1" latinLnBrk="0" hangingPunct="1">
+              <a:spcBef>
+                <a:spcPct val="20000"/>
+              </a:spcBef>
+              <a:buFont typeface="Arial" pitchFamily="34" charset="0"/>
+              <a:buChar char="•"/>
+              <a:defRPr sz="2000" kern="1200">
+                <a:solidFill>
+                  <a:schemeClr val="tx1"/>
+                </a:solidFill>
+                <a:latin typeface="+mn-lt"/>
+                <a:ea typeface="+mn-ea"/>
+                <a:cs typeface="+mn-cs"/>
+              </a:defRPr>
+            </a:lvl8pPr>
+            <a:lvl9pPr marL="3886200" indent="-228600" algn="l" defTabSz="914400" rtl="0" eaLnBrk="1" latinLnBrk="0" hangingPunct="1">
+              <a:spcBef>
+                <a:spcPct val="20000"/>
+              </a:spcBef>
+              <a:buFont typeface="Arial" pitchFamily="34" charset="0"/>
+              <a:buChar char="•"/>
+              <a:defRPr sz="2000" kern="1200">
+                <a:solidFill>
+                  <a:schemeClr val="tx1"/>
+                </a:solidFill>
+                <a:latin typeface="+mn-lt"/>
+                <a:ea typeface="+mn-ea"/>
+                <a:cs typeface="+mn-cs"/>
+              </a:defRPr>
+            </a:lvl9pPr>
+          </a:lstStyle>
+          <a:p>
+            <a:pPr marL="0" indent="0">
+              <a:buNone/>
+            </a:pPr>
+            <a:endParaRPr lang="en-US" altLang="zh-CN" sz="2000" dirty="0" smtClean="0"/>
+          </a:p>
+          <a:p>
+            <a:pPr marL="0" indent="0">
+              <a:buNone/>
+            </a:pPr>
+            <a:r>
+              <a:rPr lang="en-US" altLang="zh-CN" sz="2000" dirty="0"/>
+              <a:t>HTTP </a:t>
+            </a:r>
+            <a:r>
+              <a:rPr lang="en-US" altLang="zh-CN" sz="2000" dirty="0" smtClean="0"/>
+              <a:t>response header</a:t>
+            </a:r>
+          </a:p>
+        </p:txBody>
+      </p:sp>
+      <p:pic>
+        <p:nvPicPr>
+          <p:cNvPr id="7" name="图片 6"/>
+          <p:cNvPicPr>
+            <a:picLocks noChangeAspect="1"/>
+          </p:cNvPicPr>
+          <p:nvPr/>
+        </p:nvPicPr>
+        <p:blipFill>
+          <a:blip r:embed="rId3"/>
+          <a:stretch>
+            <a:fillRect/>
+          </a:stretch>
+        </p:blipFill>
+        <p:spPr>
+          <a:xfrm>
+            <a:off x="5486400" y="1623219"/>
+            <a:ext cx="3467100" cy="1162050"/>
+          </a:xfrm>
+          <a:prstGeom prst="rect">
+            <a:avLst/>
+          </a:prstGeom>
+        </p:spPr>
+      </p:pic>
+      <p:sp>
+        <p:nvSpPr>
+          <p:cNvPr id="8" name="内容占位符 2"/>
+          <p:cNvSpPr txBox="1">
+            <a:spLocks/>
+          </p:cNvSpPr>
+          <p:nvPr/>
+        </p:nvSpPr>
+        <p:spPr>
+          <a:xfrm>
+            <a:off x="228600" y="4800600"/>
+            <a:ext cx="5867400" cy="609600"/>
+          </a:xfrm>
+          <a:prstGeom prst="rect">
+            <a:avLst/>
+          </a:prstGeom>
+        </p:spPr>
+        <p:txBody>
+          <a:bodyPr>
+            <a:normAutofit fontScale="92500" lnSpcReduction="20000"/>
+          </a:bodyPr>
+          <a:lstStyle>
+            <a:lvl1pPr marL="342900" indent="-342900" algn="l" defTabSz="914400" rtl="0" eaLnBrk="1" latinLnBrk="0" hangingPunct="1">
+              <a:spcBef>
+                <a:spcPct val="20000"/>
+              </a:spcBef>
+              <a:buFont typeface="Arial" pitchFamily="34" charset="0"/>
+              <a:buChar char="•"/>
+              <a:defRPr sz="3200" kern="1200">
+                <a:solidFill>
+                  <a:schemeClr val="tx1"/>
+                </a:solidFill>
+                <a:latin typeface="+mn-lt"/>
+                <a:ea typeface="+mn-ea"/>
+                <a:cs typeface="+mn-cs"/>
+              </a:defRPr>
+            </a:lvl1pPr>
+            <a:lvl2pPr marL="742950" indent="-285750" algn="l" defTabSz="914400" rtl="0" eaLnBrk="1" latinLnBrk="0" hangingPunct="1">
+              <a:spcBef>
+                <a:spcPct val="20000"/>
+              </a:spcBef>
+              <a:buFont typeface="Arial" pitchFamily="34" charset="0"/>
+              <a:buChar char="–"/>
+              <a:defRPr sz="2800" kern="1200">
+                <a:solidFill>
+                  <a:schemeClr val="tx1"/>
+                </a:solidFill>
+                <a:latin typeface="+mn-lt"/>
+                <a:ea typeface="+mn-ea"/>
+                <a:cs typeface="+mn-cs"/>
+              </a:defRPr>
+            </a:lvl2pPr>
+            <a:lvl3pPr marL="1143000" indent="-228600" algn="l" defTabSz="914400" rtl="0" eaLnBrk="1" latinLnBrk="0" hangingPunct="1">
+              <a:spcBef>
+                <a:spcPct val="20000"/>
+              </a:spcBef>
+              <a:buFont typeface="Arial" pitchFamily="34" charset="0"/>
+              <a:buChar char="•"/>
+              <a:defRPr sz="2400" kern="1200">
+                <a:solidFill>
+                  <a:schemeClr val="tx1"/>
+                </a:solidFill>
+                <a:latin typeface="+mn-lt"/>
+                <a:ea typeface="+mn-ea"/>
+                <a:cs typeface="+mn-cs"/>
+              </a:defRPr>
+            </a:lvl3pPr>
+            <a:lvl4pPr marL="1600200" indent="-228600" algn="l" defTabSz="914400" rtl="0" eaLnBrk="1" latinLnBrk="0" hangingPunct="1">
+              <a:spcBef>
+                <a:spcPct val="20000"/>
+              </a:spcBef>
+              <a:buFont typeface="Arial" pitchFamily="34" charset="0"/>
+              <a:buChar char="–"/>
+              <a:defRPr sz="2000" kern="1200">
+                <a:solidFill>
+                  <a:schemeClr val="tx1"/>
+                </a:solidFill>
+                <a:latin typeface="+mn-lt"/>
+                <a:ea typeface="+mn-ea"/>
+                <a:cs typeface="+mn-cs"/>
+              </a:defRPr>
+            </a:lvl4pPr>
+            <a:lvl5pPr marL="2057400" indent="-228600" algn="l" defTabSz="914400" rtl="0" eaLnBrk="1" latinLnBrk="0" hangingPunct="1">
+              <a:spcBef>
+                <a:spcPct val="20000"/>
+              </a:spcBef>
+              <a:buFont typeface="Arial" pitchFamily="34" charset="0"/>
+              <a:buChar char="»"/>
+              <a:defRPr sz="2000" kern="1200">
+                <a:solidFill>
+                  <a:schemeClr val="tx1"/>
+                </a:solidFill>
+                <a:latin typeface="+mn-lt"/>
+                <a:ea typeface="+mn-ea"/>
+                <a:cs typeface="+mn-cs"/>
+              </a:defRPr>
+            </a:lvl5pPr>
+            <a:lvl6pPr marL="2514600" indent="-228600" algn="l" defTabSz="914400" rtl="0" eaLnBrk="1" latinLnBrk="0" hangingPunct="1">
+              <a:spcBef>
+                <a:spcPct val="20000"/>
+              </a:spcBef>
+              <a:buFont typeface="Arial" pitchFamily="34" charset="0"/>
+              <a:buChar char="•"/>
+              <a:defRPr sz="2000" kern="1200">
+                <a:solidFill>
+                  <a:schemeClr val="tx1"/>
+                </a:solidFill>
+                <a:latin typeface="+mn-lt"/>
+                <a:ea typeface="+mn-ea"/>
+                <a:cs typeface="+mn-cs"/>
+              </a:defRPr>
+            </a:lvl6pPr>
+            <a:lvl7pPr marL="2971800" indent="-228600" algn="l" defTabSz="914400" rtl="0" eaLnBrk="1" latinLnBrk="0" hangingPunct="1">
+              <a:spcBef>
+                <a:spcPct val="20000"/>
+              </a:spcBef>
+              <a:buFont typeface="Arial" pitchFamily="34" charset="0"/>
+              <a:buChar char="•"/>
+              <a:defRPr sz="2000" kern="1200">
+                <a:solidFill>
+                  <a:schemeClr val="tx1"/>
+                </a:solidFill>
+                <a:latin typeface="+mn-lt"/>
+                <a:ea typeface="+mn-ea"/>
+                <a:cs typeface="+mn-cs"/>
+              </a:defRPr>
+            </a:lvl7pPr>
+            <a:lvl8pPr marL="3429000" indent="-228600" algn="l" defTabSz="914400" rtl="0" eaLnBrk="1" latinLnBrk="0" hangingPunct="1">
+              <a:spcBef>
+                <a:spcPct val="20000"/>
+              </a:spcBef>
+              <a:buFont typeface="Arial" pitchFamily="34" charset="0"/>
+              <a:buChar char="•"/>
+              <a:defRPr sz="2000" kern="1200">
+                <a:solidFill>
+                  <a:schemeClr val="tx1"/>
+                </a:solidFill>
+                <a:latin typeface="+mn-lt"/>
+                <a:ea typeface="+mn-ea"/>
+                <a:cs typeface="+mn-cs"/>
+              </a:defRPr>
+            </a:lvl8pPr>
+            <a:lvl9pPr marL="3886200" indent="-228600" algn="l" defTabSz="914400" rtl="0" eaLnBrk="1" latinLnBrk="0" hangingPunct="1">
+              <a:spcBef>
+                <a:spcPct val="20000"/>
+              </a:spcBef>
+              <a:buFont typeface="Arial" pitchFamily="34" charset="0"/>
+              <a:buChar char="•"/>
+              <a:defRPr sz="2000" kern="1200">
+                <a:solidFill>
+                  <a:schemeClr val="tx1"/>
+                </a:solidFill>
+                <a:latin typeface="+mn-lt"/>
+                <a:ea typeface="+mn-ea"/>
+                <a:cs typeface="+mn-cs"/>
+              </a:defRPr>
+            </a:lvl9pPr>
+          </a:lstStyle>
+          <a:p>
+            <a:pPr marL="0" indent="0">
+              <a:buNone/>
+            </a:pPr>
+            <a:endParaRPr lang="en-US" altLang="zh-CN" sz="2000" dirty="0" smtClean="0"/>
+          </a:p>
+          <a:p>
+            <a:pPr marL="0" indent="0">
+              <a:buNone/>
+            </a:pPr>
+            <a:r>
+              <a:rPr lang="en-US" altLang="zh-CN" sz="1800" dirty="0"/>
+              <a:t>HTTP request and response header </a:t>
+            </a:r>
+            <a:r>
+              <a:rPr lang="en-US" altLang="zh-CN" sz="1800" dirty="0" smtClean="0"/>
+              <a:t>information: 871bytes</a:t>
+            </a:r>
+            <a:endParaRPr lang="en-US" altLang="zh-CN" sz="2000" dirty="0" smtClean="0"/>
+          </a:p>
+        </p:txBody>
+      </p:sp>
+    </p:spTree>
+    <p:extLst>
+      <p:ext uri="{BB962C8B-B14F-4D97-AF65-F5344CB8AC3E}">
+        <p14:creationId xmlns:p14="http://schemas.microsoft.com/office/powerpoint/2010/main" val="68384123"/>
+      </p:ext>
+    </p:extLst>
+  </p:cSld>
+  <p:clrMapOvr>
+    <a:masterClrMapping/>
+  </p:clrMapOvr>
+</p:sld>
+</file>
+
+<file path=ppt/slides/slide6.xml><?xml version="1.0" encoding="utf-8"?>
+<p:sld xmlns:a="http://schemas.openxmlformats.org/drawingml/2006/main" xmlns:r="http://schemas.openxmlformats.org/officeDocument/2006/relationships" xmlns:p="http://schemas.openxmlformats.org/presentationml/2006/main">
+  <p:cSld>
+    <p:spTree>
+      <p:nvGrpSpPr>
+        <p:cNvPr id="1" name=""/>
+        <p:cNvGrpSpPr/>
+        <p:nvPr/>
+      </p:nvGrpSpPr>
+      <p:grpSpPr>
+        <a:xfrm>
+          <a:off x="0" y="0"/>
+          <a:ext cx="0" cy="0"/>
+          <a:chOff x="0" y="0"/>
+          <a:chExt cx="0" cy="0"/>
+        </a:xfrm>
+      </p:grpSpPr>
+      <p:sp>
+        <p:nvSpPr>
+          <p:cNvPr id="3" name="内容占位符 2"/>
+          <p:cNvSpPr txBox="1">
+            <a:spLocks/>
+          </p:cNvSpPr>
+          <p:nvPr/>
+        </p:nvSpPr>
+        <p:spPr>
+          <a:xfrm>
+            <a:off x="304800" y="457200"/>
+            <a:ext cx="8382000" cy="5943600"/>
+          </a:xfrm>
+          <a:prstGeom prst="rect">
+            <a:avLst/>
+          </a:prstGeom>
+        </p:spPr>
+        <p:txBody>
+          <a:bodyPr>
+            <a:normAutofit/>
+          </a:bodyPr>
+          <a:lstStyle>
+            <a:lvl1pPr marL="342900" indent="-342900" algn="l" defTabSz="914400" rtl="0" eaLnBrk="1" latinLnBrk="0" hangingPunct="1">
+              <a:spcBef>
+                <a:spcPct val="20000"/>
+              </a:spcBef>
+              <a:buFont typeface="Arial" pitchFamily="34" charset="0"/>
+              <a:buChar char="•"/>
+              <a:defRPr sz="3200" kern="1200">
+                <a:solidFill>
+                  <a:schemeClr val="tx1"/>
+                </a:solidFill>
+                <a:latin typeface="+mn-lt"/>
+                <a:ea typeface="+mn-ea"/>
+                <a:cs typeface="+mn-cs"/>
+              </a:defRPr>
+            </a:lvl1pPr>
+            <a:lvl2pPr marL="742950" indent="-285750" algn="l" defTabSz="914400" rtl="0" eaLnBrk="1" latinLnBrk="0" hangingPunct="1">
+              <a:spcBef>
+                <a:spcPct val="20000"/>
+              </a:spcBef>
+              <a:buFont typeface="Arial" pitchFamily="34" charset="0"/>
+              <a:buChar char="–"/>
+              <a:defRPr sz="2800" kern="1200">
+                <a:solidFill>
+                  <a:schemeClr val="tx1"/>
+                </a:solidFill>
+                <a:latin typeface="+mn-lt"/>
+                <a:ea typeface="+mn-ea"/>
+                <a:cs typeface="+mn-cs"/>
+              </a:defRPr>
+            </a:lvl2pPr>
+            <a:lvl3pPr marL="1143000" indent="-228600" algn="l" defTabSz="914400" rtl="0" eaLnBrk="1" latinLnBrk="0" hangingPunct="1">
+              <a:spcBef>
+                <a:spcPct val="20000"/>
+              </a:spcBef>
+              <a:buFont typeface="Arial" pitchFamily="34" charset="0"/>
+              <a:buChar char="•"/>
+              <a:defRPr sz="2400" kern="1200">
+                <a:solidFill>
+                  <a:schemeClr val="tx1"/>
+                </a:solidFill>
+                <a:latin typeface="+mn-lt"/>
+                <a:ea typeface="+mn-ea"/>
+                <a:cs typeface="+mn-cs"/>
+              </a:defRPr>
+            </a:lvl3pPr>
+            <a:lvl4pPr marL="1600200" indent="-228600" algn="l" defTabSz="914400" rtl="0" eaLnBrk="1" latinLnBrk="0" hangingPunct="1">
+              <a:spcBef>
+                <a:spcPct val="20000"/>
+              </a:spcBef>
+              <a:buFont typeface="Arial" pitchFamily="34" charset="0"/>
+              <a:buChar char="–"/>
+              <a:defRPr sz="2000" kern="1200">
+                <a:solidFill>
+                  <a:schemeClr val="tx1"/>
+                </a:solidFill>
+                <a:latin typeface="+mn-lt"/>
+                <a:ea typeface="+mn-ea"/>
+                <a:cs typeface="+mn-cs"/>
+              </a:defRPr>
+            </a:lvl4pPr>
+            <a:lvl5pPr marL="2057400" indent="-228600" algn="l" defTabSz="914400" rtl="0" eaLnBrk="1" latinLnBrk="0" hangingPunct="1">
+              <a:spcBef>
+                <a:spcPct val="20000"/>
+              </a:spcBef>
+              <a:buFont typeface="Arial" pitchFamily="34" charset="0"/>
+              <a:buChar char="»"/>
+              <a:defRPr sz="2000" kern="1200">
+                <a:solidFill>
+                  <a:schemeClr val="tx1"/>
+                </a:solidFill>
+                <a:latin typeface="+mn-lt"/>
+                <a:ea typeface="+mn-ea"/>
+                <a:cs typeface="+mn-cs"/>
+              </a:defRPr>
+            </a:lvl5pPr>
+            <a:lvl6pPr marL="2514600" indent="-228600" algn="l" defTabSz="914400" rtl="0" eaLnBrk="1" latinLnBrk="0" hangingPunct="1">
+              <a:spcBef>
+                <a:spcPct val="20000"/>
+              </a:spcBef>
+              <a:buFont typeface="Arial" pitchFamily="34" charset="0"/>
+              <a:buChar char="•"/>
+              <a:defRPr sz="2000" kern="1200">
+                <a:solidFill>
+                  <a:schemeClr val="tx1"/>
+                </a:solidFill>
+                <a:latin typeface="+mn-lt"/>
+                <a:ea typeface="+mn-ea"/>
+                <a:cs typeface="+mn-cs"/>
+              </a:defRPr>
+            </a:lvl6pPr>
+            <a:lvl7pPr marL="2971800" indent="-228600" algn="l" defTabSz="914400" rtl="0" eaLnBrk="1" latinLnBrk="0" hangingPunct="1">
+              <a:spcBef>
+                <a:spcPct val="20000"/>
+              </a:spcBef>
+              <a:buFont typeface="Arial" pitchFamily="34" charset="0"/>
+              <a:buChar char="•"/>
+              <a:defRPr sz="2000" kern="1200">
+                <a:solidFill>
+                  <a:schemeClr val="tx1"/>
+                </a:solidFill>
+                <a:latin typeface="+mn-lt"/>
+                <a:ea typeface="+mn-ea"/>
+                <a:cs typeface="+mn-cs"/>
+              </a:defRPr>
+            </a:lvl7pPr>
+            <a:lvl8pPr marL="3429000" indent="-228600" algn="l" defTabSz="914400" rtl="0" eaLnBrk="1" latinLnBrk="0" hangingPunct="1">
+              <a:spcBef>
+                <a:spcPct val="20000"/>
+              </a:spcBef>
+              <a:buFont typeface="Arial" pitchFamily="34" charset="0"/>
+              <a:buChar char="•"/>
+              <a:defRPr sz="2000" kern="1200">
+                <a:solidFill>
+                  <a:schemeClr val="tx1"/>
+                </a:solidFill>
+                <a:latin typeface="+mn-lt"/>
+                <a:ea typeface="+mn-ea"/>
+                <a:cs typeface="+mn-cs"/>
+              </a:defRPr>
+            </a:lvl8pPr>
+            <a:lvl9pPr marL="3886200" indent="-228600" algn="l" defTabSz="914400" rtl="0" eaLnBrk="1" latinLnBrk="0" hangingPunct="1">
+              <a:spcBef>
+                <a:spcPct val="20000"/>
+              </a:spcBef>
+              <a:buFont typeface="Arial" pitchFamily="34" charset="0"/>
+              <a:buChar char="•"/>
+              <a:defRPr sz="2000" kern="1200">
+                <a:solidFill>
+                  <a:schemeClr val="tx1"/>
+                </a:solidFill>
+                <a:latin typeface="+mn-lt"/>
+                <a:ea typeface="+mn-ea"/>
+                <a:cs typeface="+mn-cs"/>
+              </a:defRPr>
+            </a:lvl9pPr>
+          </a:lstStyle>
+          <a:p>
+            <a:endParaRPr lang="en-US" altLang="zh-CN" sz="2000" dirty="0" smtClean="0"/>
+          </a:p>
+          <a:p>
+            <a:r>
+              <a:rPr lang="zh-CN" altLang="en-US" sz="2000" dirty="0" smtClean="0"/>
+              <a:t>用例</a:t>
+            </a:r>
+            <a:r>
+              <a:rPr lang="en-US" altLang="zh-CN" sz="2000" dirty="0"/>
+              <a:t>A: 1000</a:t>
+            </a:r>
+            <a:r>
+              <a:rPr lang="zh-CN" altLang="en-US" sz="2000" dirty="0"/>
+              <a:t>个客户机每秒轮询一次</a:t>
+            </a:r>
+            <a:r>
+              <a:rPr lang="en-US" altLang="zh-CN" sz="2000" dirty="0"/>
+              <a:t>:</a:t>
+            </a:r>
+            <a:r>
+              <a:rPr lang="zh-CN" altLang="en-US" sz="2000" dirty="0"/>
+              <a:t>网络吞吐量</a:t>
+            </a:r>
+            <a:r>
+              <a:rPr lang="en-US" altLang="zh-CN" sz="2000" dirty="0"/>
+              <a:t>(871 x 1000) = 871,000</a:t>
+            </a:r>
+            <a:r>
+              <a:rPr lang="zh-CN" altLang="en-US" sz="2000" dirty="0"/>
+              <a:t>字节</a:t>
+            </a:r>
+            <a:r>
+              <a:rPr lang="en-US" altLang="zh-CN" sz="2000" dirty="0"/>
+              <a:t>= 6,968,000</a:t>
+            </a:r>
+            <a:r>
+              <a:rPr lang="zh-CN" altLang="en-US" sz="2000" dirty="0"/>
+              <a:t>位</a:t>
+            </a:r>
+            <a:r>
+              <a:rPr lang="en-US" altLang="zh-CN" sz="2000" dirty="0"/>
+              <a:t>/</a:t>
+            </a:r>
+            <a:r>
+              <a:rPr lang="zh-CN" altLang="en-US" sz="2000" dirty="0"/>
+              <a:t>秒</a:t>
+            </a:r>
+            <a:r>
+              <a:rPr lang="en-US" altLang="zh-CN" sz="2000" dirty="0"/>
+              <a:t>(6.6 Mbps)</a:t>
+            </a:r>
+          </a:p>
+          <a:p>
+            <a:r>
+              <a:rPr lang="zh-CN" altLang="en-US" sz="2000" dirty="0" smtClean="0"/>
+              <a:t>用例</a:t>
+            </a:r>
+            <a:r>
+              <a:rPr lang="en-US" altLang="zh-CN" sz="2000" dirty="0"/>
+              <a:t>B: 10,000</a:t>
+            </a:r>
+            <a:r>
+              <a:rPr lang="zh-CN" altLang="en-US" sz="2000" dirty="0"/>
+              <a:t>个客户机每秒轮询</a:t>
+            </a:r>
+            <a:r>
+              <a:rPr lang="en-US" altLang="zh-CN" sz="2000" dirty="0"/>
+              <a:t>:</a:t>
+            </a:r>
+            <a:r>
+              <a:rPr lang="zh-CN" altLang="en-US" sz="2000" dirty="0"/>
+              <a:t>网络吞吐量</a:t>
+            </a:r>
+            <a:r>
+              <a:rPr lang="en-US" altLang="zh-CN" sz="2000" dirty="0"/>
+              <a:t>(871 x 10,000) = 8,710,000</a:t>
+            </a:r>
+            <a:r>
+              <a:rPr lang="zh-CN" altLang="en-US" sz="2000" dirty="0"/>
+              <a:t>字节</a:t>
+            </a:r>
+            <a:r>
+              <a:rPr lang="en-US" altLang="zh-CN" sz="2000" dirty="0"/>
+              <a:t>= 69,680,000</a:t>
+            </a:r>
+            <a:r>
+              <a:rPr lang="zh-CN" altLang="en-US" sz="2000" dirty="0"/>
+              <a:t>位</a:t>
+            </a:r>
+            <a:r>
+              <a:rPr lang="en-US" altLang="zh-CN" sz="2000" dirty="0"/>
+              <a:t>/</a:t>
+            </a:r>
+            <a:r>
+              <a:rPr lang="zh-CN" altLang="en-US" sz="2000" dirty="0"/>
+              <a:t>秒</a:t>
+            </a:r>
+            <a:r>
+              <a:rPr lang="en-US" altLang="zh-CN" sz="2000" dirty="0"/>
+              <a:t>(66 Mbps)</a:t>
+            </a:r>
+          </a:p>
+          <a:p>
+            <a:r>
+              <a:rPr lang="zh-CN" altLang="en-US" sz="2000" dirty="0" smtClean="0"/>
+              <a:t>用例</a:t>
+            </a:r>
+            <a:r>
+              <a:rPr lang="en-US" altLang="zh-CN" sz="2000" dirty="0"/>
+              <a:t>C: 100,000</a:t>
+            </a:r>
+            <a:r>
+              <a:rPr lang="zh-CN" altLang="en-US" sz="2000" dirty="0"/>
+              <a:t>个客户机每</a:t>
+            </a:r>
+            <a:r>
+              <a:rPr lang="en-US" altLang="zh-CN" sz="2000" dirty="0"/>
+              <a:t>1</a:t>
+            </a:r>
+            <a:r>
+              <a:rPr lang="zh-CN" altLang="en-US" sz="2000" dirty="0"/>
+              <a:t>秒轮询一次</a:t>
+            </a:r>
+            <a:r>
+              <a:rPr lang="en-US" altLang="zh-CN" sz="2000" dirty="0"/>
+              <a:t>:</a:t>
+            </a:r>
+            <a:r>
+              <a:rPr lang="zh-CN" altLang="en-US" sz="2000" dirty="0"/>
+              <a:t>网络吞吐量</a:t>
+            </a:r>
+            <a:r>
+              <a:rPr lang="en-US" altLang="zh-CN" sz="2000" dirty="0"/>
+              <a:t>(871 x 100,000) = 87,100,000</a:t>
+            </a:r>
+            <a:r>
+              <a:rPr lang="zh-CN" altLang="en-US" sz="2000" dirty="0"/>
+              <a:t>字节</a:t>
+            </a:r>
+            <a:r>
+              <a:rPr lang="en-US" altLang="zh-CN" sz="2000" dirty="0"/>
+              <a:t>= 696,800,000</a:t>
+            </a:r>
+            <a:r>
+              <a:rPr lang="zh-CN" altLang="en-US" sz="2000" dirty="0"/>
+              <a:t>位</a:t>
+            </a:r>
+            <a:r>
+              <a:rPr lang="en-US" altLang="zh-CN" sz="2000" dirty="0"/>
+              <a:t>/</a:t>
+            </a:r>
+            <a:r>
+              <a:rPr lang="zh-CN" altLang="en-US" sz="2000" dirty="0"/>
+              <a:t>秒</a:t>
+            </a:r>
+            <a:r>
+              <a:rPr lang="en-US" altLang="zh-CN" sz="2000" dirty="0"/>
+              <a:t>(665 Mbps</a:t>
+            </a:r>
+            <a:r>
+              <a:rPr lang="en-US" altLang="zh-CN" sz="2000" dirty="0" smtClean="0"/>
+              <a:t>)</a:t>
+            </a:r>
+          </a:p>
+          <a:p>
+            <a:endParaRPr lang="en-US" altLang="zh-CN" sz="2000" dirty="0"/>
+          </a:p>
+          <a:p>
+            <a:endParaRPr lang="en-US" altLang="zh-CN" sz="2000" dirty="0" smtClean="0">
+              <a:solidFill>
+                <a:schemeClr val="tx2">
+                  <a:lumMod val="60000"/>
+                  <a:lumOff val="40000"/>
+                </a:schemeClr>
+              </a:solidFill>
+            </a:endParaRPr>
+          </a:p>
+          <a:p>
+            <a:r>
+              <a:rPr lang="zh-CN" altLang="en-US" sz="2000" dirty="0" smtClean="0">
+                <a:solidFill>
+                  <a:schemeClr val="tx2">
+                    <a:lumMod val="60000"/>
+                    <a:lumOff val="40000"/>
+                  </a:schemeClr>
+                </a:solidFill>
+              </a:rPr>
+              <a:t>用例</a:t>
+            </a:r>
+            <a:r>
+              <a:rPr lang="en-US" altLang="zh-CN" sz="2000" dirty="0">
+                <a:solidFill>
+                  <a:schemeClr val="tx2">
+                    <a:lumMod val="60000"/>
+                    <a:lumOff val="40000"/>
+                  </a:schemeClr>
+                </a:solidFill>
+              </a:rPr>
+              <a:t>A: 1,000</a:t>
+            </a:r>
+            <a:r>
+              <a:rPr lang="zh-CN" altLang="en-US" sz="2000" dirty="0">
+                <a:solidFill>
+                  <a:schemeClr val="tx2">
+                    <a:lumMod val="60000"/>
+                    <a:lumOff val="40000"/>
+                  </a:schemeClr>
+                </a:solidFill>
+              </a:rPr>
+              <a:t>个客户机每秒接收一条消息</a:t>
+            </a:r>
+            <a:r>
+              <a:rPr lang="en-US" altLang="zh-CN" sz="2000" dirty="0">
+                <a:solidFill>
+                  <a:schemeClr val="tx2">
+                    <a:lumMod val="60000"/>
+                    <a:lumOff val="40000"/>
+                  </a:schemeClr>
+                </a:solidFill>
+              </a:rPr>
+              <a:t>:</a:t>
+            </a:r>
+            <a:r>
+              <a:rPr lang="zh-CN" altLang="en-US" sz="2000" dirty="0">
+                <a:solidFill>
+                  <a:schemeClr val="tx2">
+                    <a:lumMod val="60000"/>
+                    <a:lumOff val="40000"/>
+                  </a:schemeClr>
+                </a:solidFill>
+              </a:rPr>
+              <a:t>网络吞吐量为</a:t>
+            </a:r>
+            <a:r>
+              <a:rPr lang="en-US" altLang="zh-CN" sz="2000" dirty="0">
+                <a:solidFill>
+                  <a:schemeClr val="tx2">
+                    <a:lumMod val="60000"/>
+                    <a:lumOff val="40000"/>
+                  </a:schemeClr>
+                </a:solidFill>
+              </a:rPr>
+              <a:t>(2 x 1,000) = 2,000</a:t>
+            </a:r>
+            <a:r>
+              <a:rPr lang="zh-CN" altLang="en-US" sz="2000" dirty="0">
+                <a:solidFill>
+                  <a:schemeClr val="tx2">
+                    <a:lumMod val="60000"/>
+                    <a:lumOff val="40000"/>
+                  </a:schemeClr>
+                </a:solidFill>
+              </a:rPr>
+              <a:t>字节</a:t>
+            </a:r>
+            <a:r>
+              <a:rPr lang="en-US" altLang="zh-CN" sz="2000" dirty="0">
+                <a:solidFill>
+                  <a:schemeClr val="tx2">
+                    <a:lumMod val="60000"/>
+                    <a:lumOff val="40000"/>
+                  </a:schemeClr>
+                </a:solidFill>
+              </a:rPr>
+              <a:t>= 16,000</a:t>
+            </a:r>
+            <a:r>
+              <a:rPr lang="zh-CN" altLang="en-US" sz="2000" dirty="0">
+                <a:solidFill>
+                  <a:schemeClr val="tx2">
+                    <a:lumMod val="60000"/>
+                    <a:lumOff val="40000"/>
+                  </a:schemeClr>
+                </a:solidFill>
+              </a:rPr>
+              <a:t>位</a:t>
+            </a:r>
+            <a:r>
+              <a:rPr lang="en-US" altLang="zh-CN" sz="2000" dirty="0">
+                <a:solidFill>
+                  <a:schemeClr val="tx2">
+                    <a:lumMod val="60000"/>
+                    <a:lumOff val="40000"/>
+                  </a:schemeClr>
+                </a:solidFill>
+              </a:rPr>
+              <a:t>/</a:t>
+            </a:r>
+            <a:r>
+              <a:rPr lang="zh-CN" altLang="en-US" sz="2000" dirty="0">
+                <a:solidFill>
+                  <a:schemeClr val="tx2">
+                    <a:lumMod val="60000"/>
+                    <a:lumOff val="40000"/>
+                  </a:schemeClr>
+                </a:solidFill>
+              </a:rPr>
+              <a:t>秒</a:t>
+            </a:r>
+            <a:r>
+              <a:rPr lang="en-US" altLang="zh-CN" sz="2000" dirty="0">
+                <a:solidFill>
+                  <a:schemeClr val="tx2">
+                    <a:lumMod val="60000"/>
+                    <a:lumOff val="40000"/>
+                  </a:schemeClr>
+                </a:solidFill>
+              </a:rPr>
+              <a:t>(0.015 Mbps</a:t>
+            </a:r>
+            <a:r>
+              <a:rPr lang="en-US" altLang="zh-CN" sz="2000" dirty="0" smtClean="0">
+                <a:solidFill>
+                  <a:schemeClr val="tx2">
+                    <a:lumMod val="60000"/>
+                    <a:lumOff val="40000"/>
+                  </a:schemeClr>
+                </a:solidFill>
+              </a:rPr>
+              <a:t>) </a:t>
+            </a:r>
+          </a:p>
+          <a:p>
+            <a:r>
+              <a:rPr lang="zh-CN" altLang="en-US" sz="2000" dirty="0" smtClean="0">
+                <a:solidFill>
+                  <a:schemeClr val="tx2">
+                    <a:lumMod val="60000"/>
+                    <a:lumOff val="40000"/>
+                  </a:schemeClr>
+                </a:solidFill>
+              </a:rPr>
+              <a:t>用例</a:t>
+            </a:r>
+            <a:r>
+              <a:rPr lang="en-US" altLang="zh-CN" sz="2000" dirty="0">
+                <a:solidFill>
+                  <a:schemeClr val="tx2">
+                    <a:lumMod val="60000"/>
+                    <a:lumOff val="40000"/>
+                  </a:schemeClr>
+                </a:solidFill>
+              </a:rPr>
+              <a:t>B: 10,000</a:t>
+            </a:r>
+            <a:r>
+              <a:rPr lang="zh-CN" altLang="en-US" sz="2000" dirty="0">
+                <a:solidFill>
+                  <a:schemeClr val="tx2">
+                    <a:lumMod val="60000"/>
+                    <a:lumOff val="40000"/>
+                  </a:schemeClr>
+                </a:solidFill>
+              </a:rPr>
+              <a:t>个客户机每秒接收一条消息</a:t>
+            </a:r>
+            <a:r>
+              <a:rPr lang="en-US" altLang="zh-CN" sz="2000" dirty="0">
+                <a:solidFill>
+                  <a:schemeClr val="tx2">
+                    <a:lumMod val="60000"/>
+                    <a:lumOff val="40000"/>
+                  </a:schemeClr>
+                </a:solidFill>
+              </a:rPr>
+              <a:t>:</a:t>
+            </a:r>
+            <a:r>
+              <a:rPr lang="zh-CN" altLang="en-US" sz="2000" dirty="0">
+                <a:solidFill>
+                  <a:schemeClr val="tx2">
+                    <a:lumMod val="60000"/>
+                    <a:lumOff val="40000"/>
+                  </a:schemeClr>
+                </a:solidFill>
+              </a:rPr>
+              <a:t>网络吞吐量为</a:t>
+            </a:r>
+            <a:r>
+              <a:rPr lang="en-US" altLang="zh-CN" sz="2000" dirty="0">
+                <a:solidFill>
+                  <a:schemeClr val="tx2">
+                    <a:lumMod val="60000"/>
+                    <a:lumOff val="40000"/>
+                  </a:schemeClr>
+                </a:solidFill>
+              </a:rPr>
+              <a:t>(2 x 10,000) = 20,000</a:t>
+            </a:r>
+            <a:r>
+              <a:rPr lang="zh-CN" altLang="en-US" sz="2000" dirty="0">
+                <a:solidFill>
+                  <a:schemeClr val="tx2">
+                    <a:lumMod val="60000"/>
+                    <a:lumOff val="40000"/>
+                  </a:schemeClr>
+                </a:solidFill>
+              </a:rPr>
+              <a:t>字节</a:t>
+            </a:r>
+            <a:r>
+              <a:rPr lang="en-US" altLang="zh-CN" sz="2000" dirty="0">
+                <a:solidFill>
+                  <a:schemeClr val="tx2">
+                    <a:lumMod val="60000"/>
+                    <a:lumOff val="40000"/>
+                  </a:schemeClr>
+                </a:solidFill>
+              </a:rPr>
+              <a:t>= 160,000</a:t>
+            </a:r>
+            <a:r>
+              <a:rPr lang="zh-CN" altLang="en-US" sz="2000" dirty="0">
+                <a:solidFill>
+                  <a:schemeClr val="tx2">
+                    <a:lumMod val="60000"/>
+                    <a:lumOff val="40000"/>
+                  </a:schemeClr>
+                </a:solidFill>
+              </a:rPr>
+              <a:t>位</a:t>
+            </a:r>
+            <a:r>
+              <a:rPr lang="en-US" altLang="zh-CN" sz="2000" dirty="0">
+                <a:solidFill>
+                  <a:schemeClr val="tx2">
+                    <a:lumMod val="60000"/>
+                    <a:lumOff val="40000"/>
+                  </a:schemeClr>
+                </a:solidFill>
+              </a:rPr>
+              <a:t>/</a:t>
+            </a:r>
+            <a:r>
+              <a:rPr lang="zh-CN" altLang="en-US" sz="2000" dirty="0">
+                <a:solidFill>
+                  <a:schemeClr val="tx2">
+                    <a:lumMod val="60000"/>
+                    <a:lumOff val="40000"/>
+                  </a:schemeClr>
+                </a:solidFill>
+              </a:rPr>
+              <a:t>秒</a:t>
+            </a:r>
+            <a:r>
+              <a:rPr lang="en-US" altLang="zh-CN" sz="2000" dirty="0">
+                <a:solidFill>
+                  <a:schemeClr val="tx2">
+                    <a:lumMod val="60000"/>
+                    <a:lumOff val="40000"/>
+                  </a:schemeClr>
+                </a:solidFill>
+              </a:rPr>
+              <a:t>(0.153 Mbps</a:t>
+            </a:r>
+            <a:r>
+              <a:rPr lang="en-US" altLang="zh-CN" sz="2000" dirty="0" smtClean="0">
+                <a:solidFill>
+                  <a:schemeClr val="tx2">
+                    <a:lumMod val="60000"/>
+                    <a:lumOff val="40000"/>
+                  </a:schemeClr>
+                </a:solidFill>
+              </a:rPr>
+              <a:t>)</a:t>
+            </a:r>
+          </a:p>
+          <a:p>
+            <a:r>
+              <a:rPr lang="en-US" altLang="zh-CN" sz="2000" dirty="0" smtClean="0">
+                <a:solidFill>
+                  <a:schemeClr val="tx2">
+                    <a:lumMod val="60000"/>
+                    <a:lumOff val="40000"/>
+                  </a:schemeClr>
+                </a:solidFill>
+              </a:rPr>
+              <a:t> </a:t>
+            </a:r>
+            <a:r>
+              <a:rPr lang="zh-CN" altLang="en-US" sz="2000" dirty="0" smtClean="0">
+                <a:solidFill>
+                  <a:schemeClr val="tx2">
+                    <a:lumMod val="60000"/>
+                    <a:lumOff val="40000"/>
+                  </a:schemeClr>
+                </a:solidFill>
+              </a:rPr>
+              <a:t>用例</a:t>
+            </a:r>
+            <a:r>
+              <a:rPr lang="en-US" altLang="zh-CN" sz="2000" dirty="0">
+                <a:solidFill>
+                  <a:schemeClr val="tx2">
+                    <a:lumMod val="60000"/>
+                    <a:lumOff val="40000"/>
+                  </a:schemeClr>
+                </a:solidFill>
+              </a:rPr>
+              <a:t>C: 100,000</a:t>
+            </a:r>
+            <a:r>
+              <a:rPr lang="zh-CN" altLang="en-US" sz="2000" dirty="0">
+                <a:solidFill>
+                  <a:schemeClr val="tx2">
+                    <a:lumMod val="60000"/>
+                    <a:lumOff val="40000"/>
+                  </a:schemeClr>
+                </a:solidFill>
+              </a:rPr>
+              <a:t>客户机每秒接收一条消息</a:t>
+            </a:r>
+            <a:r>
+              <a:rPr lang="en-US" altLang="zh-CN" sz="2000" dirty="0">
+                <a:solidFill>
+                  <a:schemeClr val="tx2">
+                    <a:lumMod val="60000"/>
+                    <a:lumOff val="40000"/>
+                  </a:schemeClr>
+                </a:solidFill>
+              </a:rPr>
+              <a:t>:</a:t>
+            </a:r>
+            <a:r>
+              <a:rPr lang="zh-CN" altLang="en-US" sz="2000" dirty="0">
+                <a:solidFill>
+                  <a:schemeClr val="tx2">
+                    <a:lumMod val="60000"/>
+                    <a:lumOff val="40000"/>
+                  </a:schemeClr>
+                </a:solidFill>
+              </a:rPr>
+              <a:t>网络吞吐量为</a:t>
+            </a:r>
+            <a:r>
+              <a:rPr lang="en-US" altLang="zh-CN" sz="2000" dirty="0">
+                <a:solidFill>
+                  <a:schemeClr val="tx2">
+                    <a:lumMod val="60000"/>
+                    <a:lumOff val="40000"/>
+                  </a:schemeClr>
+                </a:solidFill>
+              </a:rPr>
+              <a:t>(2 x 100,000) = 200,000</a:t>
+            </a:r>
+            <a:r>
+              <a:rPr lang="zh-CN" altLang="en-US" sz="2000" dirty="0">
+                <a:solidFill>
+                  <a:schemeClr val="tx2">
+                    <a:lumMod val="60000"/>
+                    <a:lumOff val="40000"/>
+                  </a:schemeClr>
+                </a:solidFill>
+              </a:rPr>
+              <a:t>字节</a:t>
+            </a:r>
+            <a:r>
+              <a:rPr lang="en-US" altLang="zh-CN" sz="2000" dirty="0">
+                <a:solidFill>
+                  <a:schemeClr val="tx2">
+                    <a:lumMod val="60000"/>
+                    <a:lumOff val="40000"/>
+                  </a:schemeClr>
+                </a:solidFill>
+              </a:rPr>
+              <a:t>= 1,600,000</a:t>
+            </a:r>
+            <a:r>
+              <a:rPr lang="zh-CN" altLang="en-US" sz="2000" dirty="0">
+                <a:solidFill>
+                  <a:schemeClr val="tx2">
+                    <a:lumMod val="60000"/>
+                    <a:lumOff val="40000"/>
+                  </a:schemeClr>
+                </a:solidFill>
+              </a:rPr>
+              <a:t>位</a:t>
+            </a:r>
+            <a:r>
+              <a:rPr lang="en-US" altLang="zh-CN" sz="2000" dirty="0">
+                <a:solidFill>
+                  <a:schemeClr val="tx2">
+                    <a:lumMod val="60000"/>
+                    <a:lumOff val="40000"/>
+                  </a:schemeClr>
+                </a:solidFill>
+              </a:rPr>
+              <a:t>/</a:t>
+            </a:r>
+            <a:r>
+              <a:rPr lang="zh-CN" altLang="en-US" sz="2000" dirty="0">
+                <a:solidFill>
+                  <a:schemeClr val="tx2">
+                    <a:lumMod val="60000"/>
+                    <a:lumOff val="40000"/>
+                  </a:schemeClr>
+                </a:solidFill>
+              </a:rPr>
+              <a:t>秒</a:t>
+            </a:r>
+            <a:r>
+              <a:rPr lang="en-US" altLang="zh-CN" sz="2000" dirty="0">
+                <a:solidFill>
+                  <a:schemeClr val="tx2">
+                    <a:lumMod val="60000"/>
+                    <a:lumOff val="40000"/>
+                  </a:schemeClr>
+                </a:solidFill>
+              </a:rPr>
+              <a:t>(1.526 Mbps)</a:t>
+            </a:r>
+          </a:p>
+          <a:p>
+            <a:endParaRPr lang="en-US" altLang="zh-CN" sz="2000" dirty="0"/>
+          </a:p>
+          <a:p>
+            <a:endParaRPr lang="en-US" altLang="zh-CN" sz="2000" dirty="0" smtClean="0"/>
+          </a:p>
+        </p:txBody>
+      </p:sp>
+      <p:sp>
+        <p:nvSpPr>
+          <p:cNvPr id="4" name="内容占位符 2"/>
+          <p:cNvSpPr txBox="1">
+            <a:spLocks/>
+          </p:cNvSpPr>
+          <p:nvPr/>
+        </p:nvSpPr>
+        <p:spPr>
+          <a:xfrm>
+            <a:off x="304800" y="8021"/>
+            <a:ext cx="2097505" cy="609600"/>
+          </a:xfrm>
+          <a:prstGeom prst="rect">
+            <a:avLst/>
+          </a:prstGeom>
+        </p:spPr>
+        <p:txBody>
+          <a:bodyPr>
+            <a:noAutofit/>
+          </a:bodyPr>
+          <a:lstStyle>
+            <a:lvl1pPr marL="342900" indent="-342900" algn="l" defTabSz="914400" rtl="0" eaLnBrk="1" latinLnBrk="0" hangingPunct="1">
+              <a:spcBef>
+                <a:spcPct val="20000"/>
+              </a:spcBef>
+              <a:buFont typeface="Arial" pitchFamily="34" charset="0"/>
+              <a:buChar char="•"/>
+              <a:defRPr sz="3200" kern="1200">
+                <a:solidFill>
+                  <a:schemeClr val="tx1"/>
+                </a:solidFill>
+                <a:latin typeface="+mn-lt"/>
+                <a:ea typeface="+mn-ea"/>
+                <a:cs typeface="+mn-cs"/>
+              </a:defRPr>
+            </a:lvl1pPr>
+            <a:lvl2pPr marL="742950" indent="-285750" algn="l" defTabSz="914400" rtl="0" eaLnBrk="1" latinLnBrk="0" hangingPunct="1">
+              <a:spcBef>
+                <a:spcPct val="20000"/>
+              </a:spcBef>
+              <a:buFont typeface="Arial" pitchFamily="34" charset="0"/>
+              <a:buChar char="–"/>
+              <a:defRPr sz="2800" kern="1200">
+                <a:solidFill>
+                  <a:schemeClr val="tx1"/>
+                </a:solidFill>
+                <a:latin typeface="+mn-lt"/>
+                <a:ea typeface="+mn-ea"/>
+                <a:cs typeface="+mn-cs"/>
+              </a:defRPr>
+            </a:lvl2pPr>
+            <a:lvl3pPr marL="1143000" indent="-228600" algn="l" defTabSz="914400" rtl="0" eaLnBrk="1" latinLnBrk="0" hangingPunct="1">
+              <a:spcBef>
+                <a:spcPct val="20000"/>
+              </a:spcBef>
+              <a:buFont typeface="Arial" pitchFamily="34" charset="0"/>
+              <a:buChar char="•"/>
+              <a:defRPr sz="2400" kern="1200">
+                <a:solidFill>
+                  <a:schemeClr val="tx1"/>
+                </a:solidFill>
+                <a:latin typeface="+mn-lt"/>
+                <a:ea typeface="+mn-ea"/>
+                <a:cs typeface="+mn-cs"/>
+              </a:defRPr>
+            </a:lvl3pPr>
+            <a:lvl4pPr marL="1600200" indent="-228600" algn="l" defTabSz="914400" rtl="0" eaLnBrk="1" latinLnBrk="0" hangingPunct="1">
+              <a:spcBef>
+                <a:spcPct val="20000"/>
+              </a:spcBef>
+              <a:buFont typeface="Arial" pitchFamily="34" charset="0"/>
+              <a:buChar char="–"/>
+              <a:defRPr sz="2000" kern="1200">
+                <a:solidFill>
+                  <a:schemeClr val="tx1"/>
+                </a:solidFill>
+                <a:latin typeface="+mn-lt"/>
+                <a:ea typeface="+mn-ea"/>
+                <a:cs typeface="+mn-cs"/>
+              </a:defRPr>
+            </a:lvl4pPr>
+            <a:lvl5pPr marL="2057400" indent="-228600" algn="l" defTabSz="914400" rtl="0" eaLnBrk="1" latinLnBrk="0" hangingPunct="1">
+              <a:spcBef>
+                <a:spcPct val="20000"/>
+              </a:spcBef>
+              <a:buFont typeface="Arial" pitchFamily="34" charset="0"/>
+              <a:buChar char="»"/>
+              <a:defRPr sz="2000" kern="1200">
+                <a:solidFill>
+                  <a:schemeClr val="tx1"/>
+                </a:solidFill>
+                <a:latin typeface="+mn-lt"/>
+                <a:ea typeface="+mn-ea"/>
+                <a:cs typeface="+mn-cs"/>
+              </a:defRPr>
+            </a:lvl5pPr>
+            <a:lvl6pPr marL="2514600" indent="-228600" algn="l" defTabSz="914400" rtl="0" eaLnBrk="1" latinLnBrk="0" hangingPunct="1">
+              <a:spcBef>
+                <a:spcPct val="20000"/>
+              </a:spcBef>
+              <a:buFont typeface="Arial" pitchFamily="34" charset="0"/>
+              <a:buChar char="•"/>
+              <a:defRPr sz="2000" kern="1200">
+                <a:solidFill>
+                  <a:schemeClr val="tx1"/>
+                </a:solidFill>
+                <a:latin typeface="+mn-lt"/>
+                <a:ea typeface="+mn-ea"/>
+                <a:cs typeface="+mn-cs"/>
+              </a:defRPr>
+            </a:lvl6pPr>
+            <a:lvl7pPr marL="2971800" indent="-228600" algn="l" defTabSz="914400" rtl="0" eaLnBrk="1" latinLnBrk="0" hangingPunct="1">
+              <a:spcBef>
+                <a:spcPct val="20000"/>
+              </a:spcBef>
+              <a:buFont typeface="Arial" pitchFamily="34" charset="0"/>
+              <a:buChar char="•"/>
+              <a:defRPr sz="2000" kern="1200">
+                <a:solidFill>
+                  <a:schemeClr val="tx1"/>
+                </a:solidFill>
+                <a:latin typeface="+mn-lt"/>
+                <a:ea typeface="+mn-ea"/>
+                <a:cs typeface="+mn-cs"/>
+              </a:defRPr>
+            </a:lvl7pPr>
+            <a:lvl8pPr marL="3429000" indent="-228600" algn="l" defTabSz="914400" rtl="0" eaLnBrk="1" latinLnBrk="0" hangingPunct="1">
+              <a:spcBef>
+                <a:spcPct val="20000"/>
+              </a:spcBef>
+              <a:buFont typeface="Arial" pitchFamily="34" charset="0"/>
+              <a:buChar char="•"/>
+              <a:defRPr sz="2000" kern="1200">
+                <a:solidFill>
+                  <a:schemeClr val="tx1"/>
+                </a:solidFill>
+                <a:latin typeface="+mn-lt"/>
+                <a:ea typeface="+mn-ea"/>
+                <a:cs typeface="+mn-cs"/>
+              </a:defRPr>
+            </a:lvl8pPr>
+            <a:lvl9pPr marL="3886200" indent="-228600" algn="l" defTabSz="914400" rtl="0" eaLnBrk="1" latinLnBrk="0" hangingPunct="1">
+              <a:spcBef>
+                <a:spcPct val="20000"/>
+              </a:spcBef>
+              <a:buFont typeface="Arial" pitchFamily="34" charset="0"/>
+              <a:buChar char="•"/>
+              <a:defRPr sz="2000" kern="1200">
+                <a:solidFill>
+                  <a:schemeClr val="tx1"/>
+                </a:solidFill>
+                <a:latin typeface="+mn-lt"/>
+                <a:ea typeface="+mn-ea"/>
+                <a:cs typeface="+mn-cs"/>
+              </a:defRPr>
+            </a:lvl9pPr>
+          </a:lstStyle>
+          <a:p>
+            <a:pPr marL="0" indent="0">
+              <a:buNone/>
+            </a:pPr>
+            <a:endParaRPr lang="en-US" altLang="zh-CN" sz="2000" dirty="0" smtClean="0"/>
+          </a:p>
+          <a:p>
+            <a:pPr marL="0" indent="0">
+              <a:buNone/>
+            </a:pPr>
+            <a:r>
+              <a:rPr lang="en-US" altLang="zh-CN" sz="2000" dirty="0"/>
+              <a:t>HTTP </a:t>
+            </a:r>
+            <a:r>
+              <a:rPr lang="en-US" altLang="zh-CN" sz="2000" dirty="0" smtClean="0"/>
+              <a:t>Polling</a:t>
+            </a:r>
+          </a:p>
+        </p:txBody>
+      </p:sp>
+      <p:sp>
+        <p:nvSpPr>
+          <p:cNvPr id="5" name="内容占位符 2"/>
+          <p:cNvSpPr txBox="1">
+            <a:spLocks/>
+          </p:cNvSpPr>
+          <p:nvPr/>
+        </p:nvSpPr>
+        <p:spPr>
+          <a:xfrm>
+            <a:off x="304800" y="3048000"/>
+            <a:ext cx="2097505" cy="609600"/>
+          </a:xfrm>
+          <a:prstGeom prst="rect">
+            <a:avLst/>
+          </a:prstGeom>
+        </p:spPr>
+        <p:txBody>
+          <a:bodyPr>
+            <a:normAutofit/>
+          </a:bodyPr>
+          <a:lstStyle>
+            <a:lvl1pPr marL="342900" indent="-342900" algn="l" defTabSz="914400" rtl="0" eaLnBrk="1" latinLnBrk="0" hangingPunct="1">
+              <a:spcBef>
+                <a:spcPct val="20000"/>
+              </a:spcBef>
+              <a:buFont typeface="Arial" pitchFamily="34" charset="0"/>
+              <a:buChar char="•"/>
+              <a:defRPr sz="3200" kern="1200">
+                <a:solidFill>
+                  <a:schemeClr val="tx1"/>
+                </a:solidFill>
+                <a:latin typeface="+mn-lt"/>
+                <a:ea typeface="+mn-ea"/>
+                <a:cs typeface="+mn-cs"/>
+              </a:defRPr>
+            </a:lvl1pPr>
+            <a:lvl2pPr marL="742950" indent="-285750" algn="l" defTabSz="914400" rtl="0" eaLnBrk="1" latinLnBrk="0" hangingPunct="1">
+              <a:spcBef>
+                <a:spcPct val="20000"/>
+              </a:spcBef>
+              <a:buFont typeface="Arial" pitchFamily="34" charset="0"/>
+              <a:buChar char="–"/>
+              <a:defRPr sz="2800" kern="1200">
+                <a:solidFill>
+                  <a:schemeClr val="tx1"/>
+                </a:solidFill>
+                <a:latin typeface="+mn-lt"/>
+                <a:ea typeface="+mn-ea"/>
+                <a:cs typeface="+mn-cs"/>
+              </a:defRPr>
+            </a:lvl2pPr>
+            <a:lvl3pPr marL="1143000" indent="-228600" algn="l" defTabSz="914400" rtl="0" eaLnBrk="1" latinLnBrk="0" hangingPunct="1">
+              <a:spcBef>
+                <a:spcPct val="20000"/>
+              </a:spcBef>
+              <a:buFont typeface="Arial" pitchFamily="34" charset="0"/>
+              <a:buChar char="•"/>
+              <a:defRPr sz="2400" kern="1200">
+                <a:solidFill>
+                  <a:schemeClr val="tx1"/>
+                </a:solidFill>
+                <a:latin typeface="+mn-lt"/>
+                <a:ea typeface="+mn-ea"/>
+                <a:cs typeface="+mn-cs"/>
+              </a:defRPr>
+            </a:lvl3pPr>
+            <a:lvl4pPr marL="1600200" indent="-228600" algn="l" defTabSz="914400" rtl="0" eaLnBrk="1" latinLnBrk="0" hangingPunct="1">
+              <a:spcBef>
+                <a:spcPct val="20000"/>
+              </a:spcBef>
+              <a:buFont typeface="Arial" pitchFamily="34" charset="0"/>
+              <a:buChar char="–"/>
+              <a:defRPr sz="2000" kern="1200">
+                <a:solidFill>
+                  <a:schemeClr val="tx1"/>
+                </a:solidFill>
+                <a:latin typeface="+mn-lt"/>
+                <a:ea typeface="+mn-ea"/>
+                <a:cs typeface="+mn-cs"/>
+              </a:defRPr>
+            </a:lvl4pPr>
+            <a:lvl5pPr marL="2057400" indent="-228600" algn="l" defTabSz="914400" rtl="0" eaLnBrk="1" latinLnBrk="0" hangingPunct="1">
+              <a:spcBef>
+                <a:spcPct val="20000"/>
+              </a:spcBef>
+              <a:buFont typeface="Arial" pitchFamily="34" charset="0"/>
+              <a:buChar char="»"/>
+              <a:defRPr sz="2000" kern="1200">
+                <a:solidFill>
+                  <a:schemeClr val="tx1"/>
+                </a:solidFill>
+                <a:latin typeface="+mn-lt"/>
+                <a:ea typeface="+mn-ea"/>
+                <a:cs typeface="+mn-cs"/>
+              </a:defRPr>
+            </a:lvl5pPr>
+            <a:lvl6pPr marL="2514600" indent="-228600" algn="l" defTabSz="914400" rtl="0" eaLnBrk="1" latinLnBrk="0" hangingPunct="1">
+              <a:spcBef>
+                <a:spcPct val="20000"/>
+              </a:spcBef>
+              <a:buFont typeface="Arial" pitchFamily="34" charset="0"/>
+              <a:buChar char="•"/>
+              <a:defRPr sz="2000" kern="1200">
+                <a:solidFill>
+                  <a:schemeClr val="tx1"/>
+                </a:solidFill>
+                <a:latin typeface="+mn-lt"/>
+                <a:ea typeface="+mn-ea"/>
+                <a:cs typeface="+mn-cs"/>
+              </a:defRPr>
+            </a:lvl6pPr>
+            <a:lvl7pPr marL="2971800" indent="-228600" algn="l" defTabSz="914400" rtl="0" eaLnBrk="1" latinLnBrk="0" hangingPunct="1">
+              <a:spcBef>
+                <a:spcPct val="20000"/>
+              </a:spcBef>
+              <a:buFont typeface="Arial" pitchFamily="34" charset="0"/>
+              <a:buChar char="•"/>
+              <a:defRPr sz="2000" kern="1200">
+                <a:solidFill>
+                  <a:schemeClr val="tx1"/>
+                </a:solidFill>
+                <a:latin typeface="+mn-lt"/>
+                <a:ea typeface="+mn-ea"/>
+                <a:cs typeface="+mn-cs"/>
+              </a:defRPr>
+            </a:lvl7pPr>
+            <a:lvl8pPr marL="3429000" indent="-228600" algn="l" defTabSz="914400" rtl="0" eaLnBrk="1" latinLnBrk="0" hangingPunct="1">
+              <a:spcBef>
+                <a:spcPct val="20000"/>
+              </a:spcBef>
+              <a:buFont typeface="Arial" pitchFamily="34" charset="0"/>
+              <a:buChar char="•"/>
+              <a:defRPr sz="2000" kern="1200">
+                <a:solidFill>
+                  <a:schemeClr val="tx1"/>
+                </a:solidFill>
+                <a:latin typeface="+mn-lt"/>
+                <a:ea typeface="+mn-ea"/>
+                <a:cs typeface="+mn-cs"/>
+              </a:defRPr>
+            </a:lvl8pPr>
+            <a:lvl9pPr marL="3886200" indent="-228600" algn="l" defTabSz="914400" rtl="0" eaLnBrk="1" latinLnBrk="0" hangingPunct="1">
+              <a:spcBef>
+                <a:spcPct val="20000"/>
+              </a:spcBef>
+              <a:buFont typeface="Arial" pitchFamily="34" charset="0"/>
+              <a:buChar char="•"/>
+              <a:defRPr sz="2000" kern="1200">
+                <a:solidFill>
+                  <a:schemeClr val="tx1"/>
+                </a:solidFill>
+                <a:latin typeface="+mn-lt"/>
+                <a:ea typeface="+mn-ea"/>
+                <a:cs typeface="+mn-cs"/>
+              </a:defRPr>
+            </a:lvl9pPr>
+          </a:lstStyle>
+          <a:p>
+            <a:pPr marL="0" indent="0">
+              <a:buNone/>
+            </a:pPr>
+            <a:r>
+              <a:rPr lang="en-US" altLang="zh-CN" sz="2000" dirty="0" err="1" smtClean="0"/>
+              <a:t>WebSocket</a:t>
+            </a:r>
+            <a:endParaRPr lang="en-US" altLang="zh-CN" sz="2000" dirty="0" smtClean="0"/>
+          </a:p>
+        </p:txBody>
+      </p:sp>
+    </p:spTree>
+    <p:extLst>
+      <p:ext uri="{BB962C8B-B14F-4D97-AF65-F5344CB8AC3E}">
+        <p14:creationId xmlns:p14="http://schemas.microsoft.com/office/powerpoint/2010/main" val="3200520965"/>
+      </p:ext>
+    </p:extLst>
+  </p:cSld>
+  <p:clrMapOvr>
+    <a:masterClrMapping/>
+  </p:clrMapOvr>
+</p:sld>
+</file>
+
+<file path=ppt/slides/slide7.xml><?xml version="1.0" encoding="utf-8"?>
+<p:sld xmlns:a="http://schemas.openxmlformats.org/drawingml/2006/main" xmlns:r="http://schemas.openxmlformats.org/officeDocument/2006/relationships" xmlns:p="http://schemas.openxmlformats.org/presentationml/2006/main">
+  <p:cSld>
+    <p:spTree>
+      <p:nvGrpSpPr>
+        <p:cNvPr id="1" name=""/>
+        <p:cNvGrpSpPr/>
+        <p:nvPr/>
+      </p:nvGrpSpPr>
+      <p:grpSpPr>
+        <a:xfrm>
+          <a:off x="0" y="0"/>
+          <a:ext cx="0" cy="0"/>
+          <a:chOff x="0" y="0"/>
+          <a:chExt cx="0" cy="0"/>
+        </a:xfrm>
+      </p:grpSpPr>
+      <p:pic>
+        <p:nvPicPr>
+          <p:cNvPr id="2050" name="Picture 2" descr="http://websocket.org/img/poll-ws-compare.gif"/>
+          <p:cNvPicPr>
+            <a:picLocks noChangeAspect="1" noChangeArrowheads="1"/>
+          </p:cNvPicPr>
+          <p:nvPr/>
+        </p:nvPicPr>
+        <p:blipFill>
+          <a:blip r:embed="rId2">
+            <a:extLst>
+              <a:ext uri="{28A0092B-C50C-407E-A947-70E740481C1C}">
+                <a14:useLocalDpi xmlns:a14="http://schemas.microsoft.com/office/drawing/2010/main" val="0"/>
+              </a:ext>
+            </a:extLst>
+          </a:blip>
+          <a:srcRect/>
+          <a:stretch>
+            <a:fillRect/>
+          </a:stretch>
+        </p:blipFill>
+        <p:spPr bwMode="auto">
+          <a:xfrm>
+            <a:off x="1143000" y="533400"/>
+            <a:ext cx="6494566" cy="4648200"/>
+          </a:xfrm>
+          <a:prstGeom prst="rect">
+            <a:avLst/>
+          </a:prstGeom>
+          <a:noFill/>
+          <a:extLst>
+            <a:ext uri="{909E8E84-426E-40DD-AFC4-6F175D3DCCD1}">
+              <a14:hiddenFill xmlns:a14="http://schemas.microsoft.com/office/drawing/2010/main">
+                <a:solidFill>
+                  <a:srgbClr val="FFFFFF"/>
+                </a:solidFill>
+              </a14:hiddenFill>
+            </a:ext>
+          </a:extLst>
+        </p:spPr>
+      </p:pic>
+      <p:sp>
+        <p:nvSpPr>
+          <p:cNvPr id="2" name="矩形 1"/>
+          <p:cNvSpPr/>
+          <p:nvPr/>
+        </p:nvSpPr>
+        <p:spPr>
+          <a:xfrm>
+            <a:off x="914400" y="5334000"/>
+            <a:ext cx="7924800" cy="584775"/>
+          </a:xfrm>
+          <a:prstGeom prst="rect">
+            <a:avLst/>
+          </a:prstGeom>
+        </p:spPr>
+        <p:txBody>
+          <a:bodyPr wrap="square">
+            <a:spAutoFit/>
+          </a:bodyPr>
+          <a:lstStyle/>
+          <a:p>
+            <a:pPr algn="ctr">
+              <a:spcBef>
+                <a:spcPct val="20000"/>
+              </a:spcBef>
+            </a:pPr>
+            <a:r>
+              <a:rPr lang="en-US" altLang="zh-CN" sz="1600" dirty="0"/>
+              <a:t>Comparison of the unnecessary network throughput overhead between the polling and the </a:t>
+            </a:r>
+            <a:r>
+              <a:rPr lang="en-US" altLang="zh-CN" sz="1600" dirty="0" err="1"/>
+              <a:t>WebSocket</a:t>
+            </a:r>
+            <a:r>
+              <a:rPr lang="en-US" altLang="zh-CN" sz="1600" dirty="0"/>
+              <a:t> applications</a:t>
+            </a:r>
+            <a:endParaRPr lang="zh-CN" altLang="en-US" sz="1600" dirty="0"/>
+          </a:p>
+        </p:txBody>
+      </p:sp>
+    </p:spTree>
+    <p:extLst>
+      <p:ext uri="{BB962C8B-B14F-4D97-AF65-F5344CB8AC3E}">
+        <p14:creationId xmlns:p14="http://schemas.microsoft.com/office/powerpoint/2010/main" val="850675566"/>
+      </p:ext>
+    </p:extLst>
+  </p:cSld>
+  <p:clrMapOvr>
+    <a:masterClrMapping/>
+  </p:clrMapOvr>
+</p:sld>
+</file>
+
+<file path=ppt/slides/slide8.xml><?xml version="1.0" encoding="utf-8"?>
+<p:sld xmlns:a="http://schemas.openxmlformats.org/drawingml/2006/main" xmlns:r="http://schemas.openxmlformats.org/officeDocument/2006/relationships" xmlns:p="http://schemas.openxmlformats.org/presentationml/2006/main">
+  <p:cSld>
+    <p:spTree>
+      <p:nvGrpSpPr>
+        <p:cNvPr id="1" name=""/>
+        <p:cNvGrpSpPr/>
+        <p:nvPr/>
+      </p:nvGrpSpPr>
+      <p:grpSpPr>
+        <a:xfrm>
+          <a:off x="0" y="0"/>
+          <a:ext cx="0" cy="0"/>
+          <a:chOff x="0" y="0"/>
+          <a:chExt cx="0" cy="0"/>
+        </a:xfrm>
+      </p:grpSpPr>
+      <p:pic>
+        <p:nvPicPr>
+          <p:cNvPr id="5122" name="Picture 2" descr="http://websocket.org/img/latency-comparison.gif"/>
+          <p:cNvPicPr>
+            <a:picLocks noChangeAspect="1" noChangeArrowheads="1"/>
+          </p:cNvPicPr>
+          <p:nvPr/>
+        </p:nvPicPr>
+        <p:blipFill>
+          <a:blip r:embed="rId2">
+            <a:extLst>
+              <a:ext uri="{28A0092B-C50C-407E-A947-70E740481C1C}">
+                <a14:useLocalDpi xmlns:a14="http://schemas.microsoft.com/office/drawing/2010/main" val="0"/>
+              </a:ext>
+            </a:extLst>
+          </a:blip>
+          <a:srcRect/>
+          <a:stretch>
+            <a:fillRect/>
+          </a:stretch>
+        </p:blipFill>
+        <p:spPr bwMode="auto">
+          <a:xfrm>
+            <a:off x="914400" y="685800"/>
+            <a:ext cx="6781800" cy="4844144"/>
+          </a:xfrm>
+          <a:prstGeom prst="rect">
+            <a:avLst/>
+          </a:prstGeom>
+          <a:noFill/>
+          <a:extLst>
+            <a:ext uri="{909E8E84-426E-40DD-AFC4-6F175D3DCCD1}">
+              <a14:hiddenFill xmlns:a14="http://schemas.microsoft.com/office/drawing/2010/main">
+                <a:solidFill>
+                  <a:srgbClr val="FFFFFF"/>
+                </a:solidFill>
+              </a14:hiddenFill>
+            </a:ext>
+          </a:extLst>
+        </p:spPr>
+      </p:pic>
+      <p:sp>
+        <p:nvSpPr>
+          <p:cNvPr id="2" name="矩形 1"/>
+          <p:cNvSpPr/>
+          <p:nvPr/>
+        </p:nvSpPr>
+        <p:spPr>
+          <a:xfrm>
+            <a:off x="1524000" y="5715000"/>
+            <a:ext cx="7467600" cy="338554"/>
+          </a:xfrm>
+          <a:prstGeom prst="rect">
+            <a:avLst/>
+          </a:prstGeom>
+        </p:spPr>
+        <p:txBody>
+          <a:bodyPr wrap="square">
+            <a:spAutoFit/>
+          </a:bodyPr>
+          <a:lstStyle/>
+          <a:p>
+            <a:pPr>
+              <a:spcBef>
+                <a:spcPct val="20000"/>
+              </a:spcBef>
+            </a:pPr>
+            <a:r>
+              <a:rPr lang="en-US" altLang="zh-CN" sz="1600" dirty="0"/>
+              <a:t>Latency comparison between the polling and </a:t>
+            </a:r>
+            <a:r>
+              <a:rPr lang="en-US" altLang="zh-CN" sz="1600" dirty="0" err="1"/>
+              <a:t>WebSocket</a:t>
+            </a:r>
+            <a:r>
+              <a:rPr lang="en-US" altLang="zh-CN" sz="1600" dirty="0"/>
+              <a:t> applications</a:t>
+            </a:r>
+            <a:endParaRPr lang="zh-CN" altLang="en-US" sz="1600" dirty="0"/>
+          </a:p>
+        </p:txBody>
+      </p:sp>
+    </p:spTree>
+    <p:extLst>
+      <p:ext uri="{BB962C8B-B14F-4D97-AF65-F5344CB8AC3E}">
+        <p14:creationId xmlns:p14="http://schemas.microsoft.com/office/powerpoint/2010/main" val="229763580"/>
+      </p:ext>
+    </p:extLst>
+  </p:cSld>
+  <p:clrMapOvr>
+    <a:masterClrMapping/>
+  </p:clrMapOvr>
+</p:sld>
+</file>
+
+<file path=ppt/slides/slide9.xml><?xml version="1.0" encoding="utf-8"?>
+<p:sld xmlns:a="http://schemas.openxmlformats.org/drawingml/2006/main" xmlns:r="http://schemas.openxmlformats.org/officeDocument/2006/relationships" xmlns:p="http://schemas.openxmlformats.org/presentationml/2006/main">
+  <p:cSld>
+    <p:spTree>
+      <p:nvGrpSpPr>
+        <p:cNvPr id="1" name=""/>
+        <p:cNvGrpSpPr/>
+        <p:nvPr/>
+      </p:nvGrpSpPr>
+      <p:grpSpPr>
+        <a:xfrm>
+          <a:off x="0" y="0"/>
+          <a:ext cx="0" cy="0"/>
+          <a:chOff x="0" y="0"/>
+          <a:chExt cx="0" cy="0"/>
+        </a:xfrm>
+      </p:grpSpPr>
+      <p:sp>
+        <p:nvSpPr>
+          <p:cNvPr id="2" name="标题 1"/>
+          <p:cNvSpPr txBox="1">
+            <a:spLocks/>
+          </p:cNvSpPr>
+          <p:nvPr/>
+        </p:nvSpPr>
+        <p:spPr>
+          <a:xfrm>
+            <a:off x="304800" y="122238"/>
+            <a:ext cx="8229600" cy="487362"/>
+          </a:xfrm>
+          <a:prstGeom prst="rect">
+            <a:avLst/>
+          </a:prstGeom>
+        </p:spPr>
+        <p:txBody>
+          <a:bodyPr>
+            <a:normAutofit/>
+          </a:bodyPr>
+          <a:lstStyle>
+            <a:lvl1pPr algn="ctr" defTabSz="914400" rtl="0" eaLnBrk="1" latinLnBrk="0" hangingPunct="1">
+              <a:spcBef>
+                <a:spcPct val="0"/>
+              </a:spcBef>
+              <a:buNone/>
+              <a:defRPr sz="4400" kern="1200">
+                <a:solidFill>
+                  <a:schemeClr val="tx1"/>
+                </a:solidFill>
+                <a:latin typeface="+mj-lt"/>
+                <a:ea typeface="+mj-ea"/>
+                <a:cs typeface="+mj-cs"/>
+              </a:defRPr>
+            </a:lvl1pPr>
+          </a:lstStyle>
+          <a:p>
+            <a:pPr algn="l"/>
+            <a:r>
+              <a:rPr lang="zh-CN" altLang="en-US" sz="2400" b="1" dirty="0" smtClean="0"/>
+              <a:t>客户端使用</a:t>
+            </a:r>
+            <a:r>
+              <a:rPr lang="en-US" altLang="zh-CN" sz="2400" b="1" dirty="0" err="1" smtClean="0"/>
+              <a:t>WebSocket</a:t>
+            </a:r>
+            <a:endParaRPr lang="zh-CN" altLang="en-US" sz="2400" b="1" dirty="0"/>
+          </a:p>
+        </p:txBody>
+      </p:sp>
+      <p:sp>
+        <p:nvSpPr>
+          <p:cNvPr id="3" name="内容占位符 2"/>
+          <p:cNvSpPr txBox="1">
+            <a:spLocks/>
+          </p:cNvSpPr>
+          <p:nvPr/>
+        </p:nvSpPr>
+        <p:spPr>
+          <a:xfrm>
+            <a:off x="304800" y="609600"/>
+            <a:ext cx="8382000" cy="6248400"/>
+          </a:xfrm>
+          <a:prstGeom prst="rect">
+            <a:avLst/>
+          </a:prstGeom>
+        </p:spPr>
+        <p:txBody>
+          <a:bodyPr>
+            <a:normAutofit fontScale="92500" lnSpcReduction="10000"/>
+          </a:bodyPr>
+          <a:lstStyle>
+            <a:lvl1pPr marL="342900" indent="-342900" algn="l" defTabSz="914400" rtl="0" eaLnBrk="1" latinLnBrk="0" hangingPunct="1">
+              <a:spcBef>
+                <a:spcPct val="20000"/>
+              </a:spcBef>
+              <a:buFont typeface="Arial" pitchFamily="34" charset="0"/>
+              <a:buChar char="•"/>
+              <a:defRPr sz="3200" kern="1200">
+                <a:solidFill>
+                  <a:schemeClr val="tx1"/>
+                </a:solidFill>
+                <a:latin typeface="+mn-lt"/>
+                <a:ea typeface="+mn-ea"/>
+                <a:cs typeface="+mn-cs"/>
+              </a:defRPr>
+            </a:lvl1pPr>
+            <a:lvl2pPr marL="742950" indent="-285750" algn="l" defTabSz="914400" rtl="0" eaLnBrk="1" latinLnBrk="0" hangingPunct="1">
+              <a:spcBef>
+                <a:spcPct val="20000"/>
+              </a:spcBef>
+              <a:buFont typeface="Arial" pitchFamily="34" charset="0"/>
+              <a:buChar char="–"/>
+              <a:defRPr sz="2800" kern="1200">
+                <a:solidFill>
+                  <a:schemeClr val="tx1"/>
+                </a:solidFill>
+                <a:latin typeface="+mn-lt"/>
+                <a:ea typeface="+mn-ea"/>
+                <a:cs typeface="+mn-cs"/>
+              </a:defRPr>
+            </a:lvl2pPr>
+            <a:lvl3pPr marL="1143000" indent="-228600" algn="l" defTabSz="914400" rtl="0" eaLnBrk="1" latinLnBrk="0" hangingPunct="1">
+              <a:spcBef>
+                <a:spcPct val="20000"/>
+              </a:spcBef>
+              <a:buFont typeface="Arial" pitchFamily="34" charset="0"/>
+              <a:buChar char="•"/>
+              <a:defRPr sz="2400" kern="1200">
+                <a:solidFill>
+                  <a:schemeClr val="tx1"/>
+                </a:solidFill>
+                <a:latin typeface="+mn-lt"/>
+                <a:ea typeface="+mn-ea"/>
+                <a:cs typeface="+mn-cs"/>
+              </a:defRPr>
+            </a:lvl3pPr>
+            <a:lvl4pPr marL="1600200" indent="-228600" algn="l" defTabSz="914400" rtl="0" eaLnBrk="1" latinLnBrk="0" hangingPunct="1">
+              <a:spcBef>
+                <a:spcPct val="20000"/>
+              </a:spcBef>
+              <a:buFont typeface="Arial" pitchFamily="34" charset="0"/>
+              <a:buChar char="–"/>
+              <a:defRPr sz="2000" kern="1200">
+                <a:solidFill>
+                  <a:schemeClr val="tx1"/>
+                </a:solidFill>
+                <a:latin typeface="+mn-lt"/>
+                <a:ea typeface="+mn-ea"/>
+                <a:cs typeface="+mn-cs"/>
+              </a:defRPr>
+            </a:lvl4pPr>
+            <a:lvl5pPr marL="2057400" indent="-228600" algn="l" defTabSz="914400" rtl="0" eaLnBrk="1" latinLnBrk="0" hangingPunct="1">
+              <a:spcBef>
+                <a:spcPct val="20000"/>
+              </a:spcBef>
+              <a:buFont typeface="Arial" pitchFamily="34" charset="0"/>
+              <a:buChar char="»"/>
+              <a:defRPr sz="2000" kern="1200">
+                <a:solidFill>
+                  <a:schemeClr val="tx1"/>
+                </a:solidFill>
+                <a:latin typeface="+mn-lt"/>
+                <a:ea typeface="+mn-ea"/>
+                <a:cs typeface="+mn-cs"/>
+              </a:defRPr>
+            </a:lvl5pPr>
+            <a:lvl6pPr marL="2514600" indent="-228600" algn="l" defTabSz="914400" rtl="0" eaLnBrk="1" latinLnBrk="0" hangingPunct="1">
+              <a:spcBef>
+                <a:spcPct val="20000"/>
+              </a:spcBef>
+              <a:buFont typeface="Arial" pitchFamily="34" charset="0"/>
+              <a:buChar char="•"/>
+              <a:defRPr sz="2000" kern="1200">
+                <a:solidFill>
+                  <a:schemeClr val="tx1"/>
+                </a:solidFill>
+                <a:latin typeface="+mn-lt"/>
+                <a:ea typeface="+mn-ea"/>
+                <a:cs typeface="+mn-cs"/>
+              </a:defRPr>
+            </a:lvl6pPr>
+            <a:lvl7pPr marL="2971800" indent="-228600" algn="l" defTabSz="914400" rtl="0" eaLnBrk="1" latinLnBrk="0" hangingPunct="1">
+              <a:spcBef>
+                <a:spcPct val="20000"/>
+              </a:spcBef>
+              <a:buFont typeface="Arial" pitchFamily="34" charset="0"/>
+              <a:buChar char="•"/>
+              <a:defRPr sz="2000" kern="1200">
+                <a:solidFill>
+                  <a:schemeClr val="tx1"/>
+                </a:solidFill>
+                <a:latin typeface="+mn-lt"/>
+                <a:ea typeface="+mn-ea"/>
+                <a:cs typeface="+mn-cs"/>
+              </a:defRPr>
+            </a:lvl7pPr>
+            <a:lvl8pPr marL="3429000" indent="-228600" algn="l" defTabSz="914400" rtl="0" eaLnBrk="1" latinLnBrk="0" hangingPunct="1">
+              <a:spcBef>
+                <a:spcPct val="20000"/>
+              </a:spcBef>
+              <a:buFont typeface="Arial" pitchFamily="34" charset="0"/>
+              <a:buChar char="•"/>
+              <a:defRPr sz="2000" kern="1200">
+                <a:solidFill>
+                  <a:schemeClr val="tx1"/>
+                </a:solidFill>
+                <a:latin typeface="+mn-lt"/>
+                <a:ea typeface="+mn-ea"/>
+                <a:cs typeface="+mn-cs"/>
+              </a:defRPr>
+            </a:lvl8pPr>
+            <a:lvl9pPr marL="3886200" indent="-228600" algn="l" defTabSz="914400" rtl="0" eaLnBrk="1" latinLnBrk="0" hangingPunct="1">
+              <a:spcBef>
+                <a:spcPct val="20000"/>
+              </a:spcBef>
+              <a:buFont typeface="Arial" pitchFamily="34" charset="0"/>
+              <a:buChar char="•"/>
+              <a:defRPr sz="2000" kern="1200">
+                <a:solidFill>
+                  <a:schemeClr val="tx1"/>
+                </a:solidFill>
+                <a:latin typeface="+mn-lt"/>
+                <a:ea typeface="+mn-ea"/>
+                <a:cs typeface="+mn-cs"/>
+              </a:defRPr>
+            </a:lvl9pPr>
+          </a:lstStyle>
+          <a:p>
+            <a:r>
+              <a:rPr lang="en-US" altLang="zh-CN" sz="2000" dirty="0" err="1" smtClean="0"/>
+              <a:t>Websocket</a:t>
+            </a:r>
+            <a:r>
+              <a:rPr lang="zh-CN" altLang="en-US" sz="2000" dirty="0" smtClean="0"/>
+              <a:t>构造函数</a:t>
+            </a:r>
+            <a:endParaRPr lang="en-US" altLang="zh-CN" sz="2000" dirty="0"/>
+          </a:p>
+          <a:p>
+            <a:pPr marL="0" indent="0">
+              <a:buNone/>
+            </a:pPr>
+            <a:r>
+              <a:rPr lang="en-US" altLang="zh-CN" sz="2000" dirty="0"/>
+              <a:t> </a:t>
+            </a:r>
+            <a:r>
+              <a:rPr lang="en-US" altLang="zh-CN" sz="2000" dirty="0" smtClean="0"/>
+              <a:t>      </a:t>
+            </a:r>
+            <a:r>
+              <a:rPr lang="en-US" altLang="zh-CN" sz="2000" dirty="0" err="1" smtClean="0"/>
+              <a:t>WebSocket</a:t>
+            </a:r>
+            <a:r>
+              <a:rPr lang="en-US" altLang="zh-CN" sz="2000" dirty="0" smtClean="0"/>
+              <a:t>()</a:t>
+            </a:r>
+          </a:p>
+          <a:p>
+            <a:r>
+              <a:rPr lang="en-US" altLang="zh-CN" sz="2000" dirty="0" smtClean="0"/>
+              <a:t>Properties</a:t>
+            </a:r>
+          </a:p>
+          <a:p>
+            <a:pPr marL="457200" indent="-457200">
+              <a:buFont typeface="+mj-lt"/>
+              <a:buAutoNum type="arabicPeriod"/>
+            </a:pPr>
+            <a:r>
+              <a:rPr lang="en-US" altLang="zh-CN" sz="2000" dirty="0" err="1" smtClean="0"/>
+              <a:t>binaryTypes</a:t>
+            </a:r>
+            <a:r>
+              <a:rPr lang="en-US" altLang="zh-CN" sz="2000" dirty="0" smtClean="0"/>
+              <a:t>: ”blob” and “</a:t>
+            </a:r>
+            <a:r>
+              <a:rPr lang="en-US" altLang="zh-CN" sz="2000" dirty="0" err="1" smtClean="0"/>
+              <a:t>arraybuffer</a:t>
+            </a:r>
+            <a:r>
+              <a:rPr lang="en-US" altLang="zh-CN" sz="2000" dirty="0" smtClean="0"/>
+              <a:t>”</a:t>
+            </a:r>
+          </a:p>
+          <a:p>
+            <a:pPr marL="457200" indent="-457200">
+              <a:buFont typeface="+mj-lt"/>
+              <a:buAutoNum type="arabicPeriod"/>
+            </a:pPr>
+            <a:r>
+              <a:rPr lang="en-US" altLang="zh-CN" sz="2000" dirty="0" err="1" smtClean="0"/>
+              <a:t>bufferedAmount</a:t>
+            </a:r>
+            <a:r>
+              <a:rPr lang="en-US" altLang="zh-CN" sz="2000" dirty="0" smtClean="0"/>
+              <a:t>: </a:t>
+            </a:r>
+            <a:r>
+              <a:rPr lang="zh-CN" altLang="en-US" sz="2000" dirty="0" smtClean="0"/>
+              <a:t>表示还有多少个二进制数据没法送出去。可以用来判断发送是否结束</a:t>
+            </a:r>
+            <a:endParaRPr lang="en-US" altLang="zh-CN" sz="2000" dirty="0" smtClean="0"/>
+          </a:p>
+          <a:p>
+            <a:pPr marL="457200" indent="-457200">
+              <a:buFont typeface="+mj-lt"/>
+              <a:buAutoNum type="arabicPeriod"/>
+            </a:pPr>
+            <a:r>
+              <a:rPr lang="en-US" altLang="zh-CN" sz="2000" dirty="0" err="1" smtClean="0"/>
+              <a:t>onclose</a:t>
+            </a:r>
+            <a:r>
+              <a:rPr lang="en-US" altLang="zh-CN" sz="2000" dirty="0" smtClean="0"/>
+              <a:t>: </a:t>
+            </a:r>
+            <a:r>
+              <a:rPr lang="zh-CN" altLang="en-US" sz="2000" dirty="0" smtClean="0"/>
+              <a:t>指定连接关闭后的回调函数</a:t>
+            </a:r>
+            <a:endParaRPr lang="en-US" altLang="zh-CN" sz="2000" dirty="0" smtClean="0"/>
+          </a:p>
+          <a:p>
+            <a:pPr marL="457200" indent="-457200">
+              <a:buFont typeface="+mj-lt"/>
+              <a:buAutoNum type="arabicPeriod"/>
+            </a:pPr>
+            <a:r>
+              <a:rPr lang="en-US" altLang="zh-CN" sz="2000" dirty="0" err="1" smtClean="0"/>
+              <a:t>onerror</a:t>
+            </a:r>
+            <a:r>
+              <a:rPr lang="en-US" altLang="zh-CN" sz="2000" dirty="0" smtClean="0"/>
+              <a:t>: </a:t>
+            </a:r>
+            <a:r>
+              <a:rPr lang="zh-CN" altLang="en-US" sz="2000" dirty="0" smtClean="0"/>
+              <a:t>指定报错时的回调函数</a:t>
+            </a:r>
+            <a:endParaRPr lang="en-US" altLang="zh-CN" sz="2000" dirty="0" smtClean="0"/>
+          </a:p>
+          <a:p>
+            <a:pPr marL="457200" indent="-457200">
+              <a:buFont typeface="+mj-lt"/>
+              <a:buAutoNum type="arabicPeriod"/>
+            </a:pPr>
+            <a:r>
+              <a:rPr lang="en-US" altLang="zh-CN" sz="2000" dirty="0" err="1" smtClean="0"/>
+              <a:t>onmessage</a:t>
+            </a:r>
+            <a:r>
+              <a:rPr lang="en-US" altLang="zh-CN" sz="2000" dirty="0" smtClean="0"/>
+              <a:t>: </a:t>
+            </a:r>
+            <a:r>
+              <a:rPr lang="zh-CN" altLang="en-US" sz="2000" dirty="0" smtClean="0"/>
+              <a:t>指定收到服务器数据后的回调函数</a:t>
+            </a:r>
+            <a:endParaRPr lang="en-US" altLang="zh-CN" sz="2000" dirty="0" smtClean="0"/>
+          </a:p>
+          <a:p>
+            <a:pPr marL="457200" indent="-457200">
+              <a:buFont typeface="+mj-lt"/>
+              <a:buAutoNum type="arabicPeriod"/>
+            </a:pPr>
+            <a:r>
+              <a:rPr lang="en-US" altLang="zh-CN" sz="2000" dirty="0" err="1" smtClean="0"/>
+              <a:t>onopen</a:t>
+            </a:r>
+            <a:r>
+              <a:rPr lang="en-US" altLang="zh-CN" sz="2000" dirty="0" smtClean="0"/>
+              <a:t>: </a:t>
+            </a:r>
+            <a:r>
+              <a:rPr lang="zh-CN" altLang="en-US" sz="2000" dirty="0" smtClean="0"/>
+              <a:t>指定连接成功后的回调函数</a:t>
+            </a:r>
+            <a:endParaRPr lang="en-US" altLang="zh-CN" sz="2000" dirty="0" smtClean="0"/>
+          </a:p>
+          <a:p>
+            <a:pPr marL="457200" indent="-457200">
+              <a:buFont typeface="+mj-lt"/>
+              <a:buAutoNum type="arabicPeriod"/>
+            </a:pPr>
+            <a:r>
+              <a:rPr lang="en-US" altLang="zh-CN" sz="2000" dirty="0" err="1" smtClean="0"/>
+              <a:t>readyState</a:t>
+            </a:r>
+            <a:r>
+              <a:rPr lang="en-US" altLang="zh-CN" sz="2000" dirty="0" smtClean="0"/>
+              <a:t>: </a:t>
+            </a:r>
+          </a:p>
+          <a:p>
+            <a:pPr>
+              <a:buFont typeface="Wingdings" panose="05000000000000000000" pitchFamily="2" charset="2"/>
+              <a:buChar char="n"/>
+            </a:pPr>
+            <a:r>
+              <a:rPr lang="en-US" altLang="zh-CN" sz="2000" dirty="0" smtClean="0"/>
+              <a:t>CONNECTING: 0</a:t>
+            </a:r>
+            <a:r>
+              <a:rPr lang="zh-CN" altLang="en-US" sz="2000" dirty="0" smtClean="0"/>
+              <a:t>，表示正在连接</a:t>
+            </a:r>
+            <a:endParaRPr lang="en-US" altLang="zh-CN" sz="2000" dirty="0" smtClean="0"/>
+          </a:p>
+          <a:p>
+            <a:pPr>
+              <a:buFont typeface="Wingdings" panose="05000000000000000000" pitchFamily="2" charset="2"/>
+              <a:buChar char="n"/>
+            </a:pPr>
+            <a:r>
+              <a:rPr lang="en-US" altLang="zh-CN" sz="2000" dirty="0" smtClean="0"/>
+              <a:t>OPEN: 1</a:t>
+            </a:r>
+            <a:r>
+              <a:rPr lang="zh-CN" altLang="en-US" sz="2000" dirty="0" smtClean="0"/>
+              <a:t>，表示连接成功，可以通信</a:t>
+            </a:r>
+            <a:endParaRPr lang="en-US" altLang="zh-CN" sz="2000" dirty="0" smtClean="0"/>
+          </a:p>
+          <a:p>
+            <a:pPr>
+              <a:buFont typeface="Wingdings" panose="05000000000000000000" pitchFamily="2" charset="2"/>
+              <a:buChar char="n"/>
+            </a:pPr>
+            <a:r>
+              <a:rPr lang="en-US" altLang="zh-CN" sz="2000" dirty="0" smtClean="0"/>
+              <a:t>CLOSING: 2</a:t>
+            </a:r>
+            <a:r>
+              <a:rPr lang="zh-CN" altLang="en-US" sz="2000" dirty="0" smtClean="0"/>
+              <a:t>，表示连接正在关闭</a:t>
+            </a:r>
+            <a:endParaRPr lang="en-US" altLang="zh-CN" sz="2000" dirty="0" smtClean="0"/>
+          </a:p>
+          <a:p>
+            <a:pPr>
+              <a:buFont typeface="Wingdings" panose="05000000000000000000" pitchFamily="2" charset="2"/>
+              <a:buChar char="n"/>
+            </a:pPr>
+            <a:r>
+              <a:rPr lang="en-US" altLang="zh-CN" sz="2000" dirty="0" smtClean="0"/>
+              <a:t>CLOSED: 3</a:t>
+            </a:r>
+            <a:r>
+              <a:rPr lang="zh-CN" altLang="en-US" sz="2000" dirty="0" smtClean="0"/>
+              <a:t>，表示连接已关闭，或打开连接失败</a:t>
+            </a:r>
+            <a:endParaRPr lang="en-US" altLang="zh-CN" sz="2000" dirty="0" smtClean="0"/>
+          </a:p>
+          <a:p>
+            <a:r>
+              <a:rPr lang="en-US" altLang="zh-CN" sz="2000" dirty="0"/>
+              <a:t>Methods</a:t>
+            </a:r>
+          </a:p>
+          <a:p>
+            <a:pPr marL="457200" indent="-457200">
+              <a:buFont typeface="+mj-lt"/>
+              <a:buAutoNum type="arabicPeriod"/>
+            </a:pPr>
+            <a:r>
+              <a:rPr lang="en-US" altLang="zh-CN" sz="2000" dirty="0"/>
+              <a:t>close(): </a:t>
+            </a:r>
+            <a:r>
+              <a:rPr lang="zh-CN" altLang="en-US" sz="2000" dirty="0"/>
+              <a:t>关闭连接</a:t>
+            </a:r>
+            <a:endParaRPr lang="en-US" altLang="zh-CN" sz="2000" dirty="0"/>
+          </a:p>
+          <a:p>
+            <a:pPr marL="457200" indent="-457200">
+              <a:buFont typeface="+mj-lt"/>
+              <a:buAutoNum type="arabicPeriod"/>
+            </a:pPr>
+            <a:r>
+              <a:rPr lang="en-US" altLang="zh-CN" sz="2000" dirty="0"/>
+              <a:t>send(): socket</a:t>
+            </a:r>
+            <a:r>
+              <a:rPr lang="zh-CN" altLang="en-US" sz="2000" dirty="0"/>
+              <a:t>实例向服务器发送</a:t>
+            </a:r>
+            <a:r>
+              <a:rPr lang="zh-CN" altLang="en-US" sz="2000" dirty="0" smtClean="0"/>
+              <a:t>数据</a:t>
+            </a:r>
+            <a:endParaRPr lang="en-US" altLang="zh-CN" sz="2000" dirty="0" smtClean="0"/>
+          </a:p>
+          <a:p>
+            <a:r>
+              <a:rPr lang="en-US" altLang="zh-CN" sz="2000" dirty="0" smtClean="0"/>
+              <a:t>Events: close, error, message, open</a:t>
+            </a:r>
+            <a:endParaRPr lang="en-US" altLang="zh-CN" sz="2000" dirty="0"/>
+          </a:p>
+          <a:p>
+            <a:pPr marL="0" indent="0">
+              <a:buNone/>
+            </a:pPr>
+            <a:endParaRPr lang="en-US" altLang="zh-CN" sz="2000" dirty="0" smtClean="0"/>
+          </a:p>
+          <a:p>
+            <a:pPr marL="457200" indent="-457200">
+              <a:buFont typeface="+mj-lt"/>
+              <a:buAutoNum type="arabicPeriod"/>
+            </a:pPr>
+            <a:endParaRPr lang="en-US" altLang="zh-CN" sz="2000" dirty="0" smtClean="0"/>
+          </a:p>
+          <a:p>
+            <a:pPr marL="0" indent="0">
+              <a:buNone/>
+            </a:pPr>
+            <a:endParaRPr lang="en-US" altLang="zh-CN" sz="2000" dirty="0" smtClean="0"/>
+          </a:p>
+          <a:p>
+            <a:pPr marL="0" indent="0">
+              <a:buNone/>
+            </a:pPr>
+            <a:endParaRPr lang="zh-CN" altLang="en-US" sz="2000" dirty="0"/>
+          </a:p>
+        </p:txBody>
+      </p:sp>
+    </p:spTree>
+    <p:extLst>
+      <p:ext uri="{BB962C8B-B14F-4D97-AF65-F5344CB8AC3E}">
+        <p14:creationId xmlns:p14="http://schemas.microsoft.com/office/powerpoint/2010/main" val="484525751"/>
+      </p:ext>
+    </p:extLst>
+  </p:cSld>
+  <p:clrMapOvr>
+    <a:masterClrMapping/>
+  </p:clrMapOvr>
+</p:sld>
 </file>
 
 <file path=ppt/theme/theme1.xml><?xml version="1.0" encoding="utf-8"?>
